--- a/CS 211 Presentation.pptx
+++ b/CS 211 Presentation.pptx
@@ -5,17 +5,20 @@
     <p:sldMasterId id="2147483648" r:id="rId1"/>
   </p:sldMasterIdLst>
   <p:notesMasterIdLst>
-    <p:notesMasterId r:id="rId10"/>
+    <p:notesMasterId r:id="rId13"/>
   </p:notesMasterIdLst>
   <p:sldIdLst>
     <p:sldId id="257" r:id="rId2"/>
     <p:sldId id="259" r:id="rId3"/>
-    <p:sldId id="264" r:id="rId4"/>
-    <p:sldId id="260" r:id="rId5"/>
-    <p:sldId id="258" r:id="rId6"/>
-    <p:sldId id="266" r:id="rId7"/>
-    <p:sldId id="261" r:id="rId8"/>
-    <p:sldId id="262" r:id="rId9"/>
+    <p:sldId id="269" r:id="rId4"/>
+    <p:sldId id="268" r:id="rId5"/>
+    <p:sldId id="267" r:id="rId6"/>
+    <p:sldId id="264" r:id="rId7"/>
+    <p:sldId id="260" r:id="rId8"/>
+    <p:sldId id="258" r:id="rId9"/>
+    <p:sldId id="266" r:id="rId10"/>
+    <p:sldId id="261" r:id="rId11"/>
+    <p:sldId id="262" r:id="rId12"/>
   </p:sldIdLst>
   <p:sldSz cx="12192000" cy="6858000"/>
   <p:notesSz cx="6858000" cy="9144000"/>
@@ -626,7 +629,7 @@
           <a:p>
             <a:fld id="{B32E4B27-1B2D-4695-9515-446EF2BD45C3}" type="slidenum">
               <a:rPr lang="en-US" smtClean="0"/>
-              <a:t>3</a:t>
+              <a:t>6</a:t>
             </a:fld>
             <a:endParaRPr lang="en-US"/>
           </a:p>
@@ -713,7 +716,7 @@
           <a:p>
             <a:fld id="{B32E4B27-1B2D-4695-9515-446EF2BD45C3}" type="slidenum">
               <a:rPr lang="en-US" smtClean="0"/>
-              <a:t>4</a:t>
+              <a:t>7</a:t>
             </a:fld>
             <a:endParaRPr lang="en-US"/>
           </a:p>
@@ -800,7 +803,7 @@
           <a:p>
             <a:fld id="{B32E4B27-1B2D-4695-9515-446EF2BD45C3}" type="slidenum">
               <a:rPr lang="en-US" smtClean="0"/>
-              <a:t>5</a:t>
+              <a:t>8</a:t>
             </a:fld>
             <a:endParaRPr lang="en-US"/>
           </a:p>
@@ -887,7 +890,7 @@
           <a:p>
             <a:fld id="{B32E4B27-1B2D-4695-9515-446EF2BD45C3}" type="slidenum">
               <a:rPr lang="en-US" smtClean="0"/>
-              <a:t>6</a:t>
+              <a:t>9</a:t>
             </a:fld>
             <a:endParaRPr lang="en-US"/>
           </a:p>
@@ -974,7 +977,7 @@
           <a:p>
             <a:fld id="{B32E4B27-1B2D-4695-9515-446EF2BD45C3}" type="slidenum">
               <a:rPr lang="en-US" smtClean="0"/>
-              <a:t>7</a:t>
+              <a:t>10</a:t>
             </a:fld>
             <a:endParaRPr lang="en-US"/>
           </a:p>
@@ -4287,6 +4290,376 @@
 </p:sld>
 </file>
 
+<file path=ppt/slides/slide10.xml><?xml version="1.0" encoding="utf-8"?>
+<p:sld xmlns:a="http://schemas.openxmlformats.org/drawingml/2006/main" xmlns:r="http://schemas.openxmlformats.org/officeDocument/2006/relationships" xmlns:p="http://schemas.openxmlformats.org/presentationml/2006/main">
+  <p:cSld>
+    <p:spTree>
+      <p:nvGrpSpPr>
+        <p:cNvPr id="1" name=""/>
+        <p:cNvGrpSpPr/>
+        <p:nvPr/>
+      </p:nvGrpSpPr>
+      <p:grpSpPr>
+        <a:xfrm>
+          <a:off x="0" y="0"/>
+          <a:ext cx="0" cy="0"/>
+          <a:chOff x="0" y="0"/>
+          <a:chExt cx="0" cy="0"/>
+        </a:xfrm>
+      </p:grpSpPr>
+      <p:pic>
+        <p:nvPicPr>
+          <p:cNvPr id="4" name="Picture 3" descr="A close up of a map&#10;&#10;Description automatically generated">
+            <a:extLst>
+              <a:ext uri="{FF2B5EF4-FFF2-40B4-BE49-F238E27FC236}">
+                <a16:creationId xmlns:a16="http://schemas.microsoft.com/office/drawing/2014/main" id="{279F7A8D-BBAC-4947-8F8D-D337BF434C57}"/>
+              </a:ext>
+            </a:extLst>
+          </p:cNvPr>
+          <p:cNvPicPr>
+            <a:picLocks noChangeAspect="1"/>
+          </p:cNvPicPr>
+          <p:nvPr/>
+        </p:nvPicPr>
+        <p:blipFill>
+          <a:blip r:embed="rId3">
+            <a:alphaModFix amt="20000"/>
+            <a:extLst>
+              <a:ext uri="{28A0092B-C50C-407E-A947-70E740481C1C}">
+                <a14:useLocalDpi xmlns:a14="http://schemas.microsoft.com/office/drawing/2010/main" val="0"/>
+              </a:ext>
+            </a:extLst>
+          </a:blip>
+          <a:stretch>
+            <a:fillRect/>
+          </a:stretch>
+        </p:blipFill>
+        <p:spPr>
+          <a:xfrm>
+            <a:off x="0" y="0"/>
+            <a:ext cx="12192000" cy="6858000"/>
+          </a:xfrm>
+          <a:prstGeom prst="rect">
+            <a:avLst/>
+          </a:prstGeom>
+        </p:spPr>
+      </p:pic>
+      <p:sp>
+        <p:nvSpPr>
+          <p:cNvPr id="2" name="Title 1">
+            <a:extLst>
+              <a:ext uri="{FF2B5EF4-FFF2-40B4-BE49-F238E27FC236}">
+                <a16:creationId xmlns:a16="http://schemas.microsoft.com/office/drawing/2014/main" id="{1D04D96A-CEA8-4589-8AF8-5A0F0815C662}"/>
+              </a:ext>
+            </a:extLst>
+          </p:cNvPr>
+          <p:cNvSpPr>
+            <a:spLocks noGrp="1"/>
+          </p:cNvSpPr>
+          <p:nvPr>
+            <p:ph type="title"/>
+          </p:nvPr>
+        </p:nvSpPr>
+        <p:spPr/>
+        <p:txBody>
+          <a:bodyPr/>
+          <a:lstStyle/>
+          <a:p>
+            <a:r>
+              <a:rPr lang="en-US" dirty="0"/>
+              <a:t>User Interface</a:t>
+            </a:r>
+          </a:p>
+        </p:txBody>
+      </p:sp>
+      <p:sp>
+        <p:nvSpPr>
+          <p:cNvPr id="3" name="Content Placeholder 2">
+            <a:extLst>
+              <a:ext uri="{FF2B5EF4-FFF2-40B4-BE49-F238E27FC236}">
+                <a16:creationId xmlns:a16="http://schemas.microsoft.com/office/drawing/2014/main" id="{5B380648-E9F6-49D2-A3E1-91F8EBE2D348}"/>
+              </a:ext>
+            </a:extLst>
+          </p:cNvPr>
+          <p:cNvSpPr>
+            <a:spLocks noGrp="1"/>
+          </p:cNvSpPr>
+          <p:nvPr>
+            <p:ph idx="1"/>
+          </p:nvPr>
+        </p:nvSpPr>
+        <p:spPr/>
+        <p:txBody>
+          <a:bodyPr/>
+          <a:lstStyle/>
+          <a:p>
+            <a:r>
+              <a:rPr lang="en-US" dirty="0"/>
+              <a:t>Uses Basic User Interface made with </a:t>
+            </a:r>
+            <a:r>
+              <a:rPr lang="en-US" dirty="0" err="1"/>
+              <a:t>Jframe</a:t>
+            </a:r>
+            <a:endParaRPr lang="en-US" dirty="0"/>
+          </a:p>
+          <a:p>
+            <a:r>
+              <a:rPr lang="en-US" dirty="0"/>
+              <a:t>Features</a:t>
+            </a:r>
+          </a:p>
+          <a:p>
+            <a:pPr lvl="1"/>
+            <a:r>
+              <a:rPr lang="en-US" dirty="0"/>
+              <a:t>Input</a:t>
+            </a:r>
+          </a:p>
+          <a:p>
+            <a:pPr lvl="2"/>
+            <a:r>
+              <a:rPr lang="en-US" dirty="0" err="1"/>
+              <a:t>JButton</a:t>
+            </a:r>
+            <a:endParaRPr lang="en-US" dirty="0"/>
+          </a:p>
+          <a:p>
+            <a:pPr lvl="2"/>
+            <a:r>
+              <a:rPr lang="en-US" dirty="0" err="1"/>
+              <a:t>JTextField</a:t>
+            </a:r>
+            <a:endParaRPr lang="en-US" dirty="0"/>
+          </a:p>
+          <a:p>
+            <a:pPr lvl="1"/>
+            <a:r>
+              <a:rPr lang="en-US" dirty="0"/>
+              <a:t>Output</a:t>
+            </a:r>
+          </a:p>
+          <a:p>
+            <a:pPr lvl="2"/>
+            <a:r>
+              <a:rPr lang="en-US" dirty="0" err="1"/>
+              <a:t>JText</a:t>
+            </a:r>
+            <a:endParaRPr lang="en-US" dirty="0"/>
+          </a:p>
+          <a:p>
+            <a:pPr lvl="2"/>
+            <a:r>
+              <a:rPr lang="en-US" dirty="0" err="1"/>
+              <a:t>ImageIcon</a:t>
+            </a:r>
+            <a:endParaRPr lang="en-US" dirty="0"/>
+          </a:p>
+          <a:p>
+            <a:pPr lvl="2"/>
+            <a:r>
+              <a:rPr lang="en-US" dirty="0" err="1"/>
+              <a:t>JLabel</a:t>
+            </a:r>
+            <a:endParaRPr lang="en-US" dirty="0"/>
+          </a:p>
+        </p:txBody>
+      </p:sp>
+    </p:spTree>
+    <p:extLst>
+      <p:ext uri="{BB962C8B-B14F-4D97-AF65-F5344CB8AC3E}">
+        <p14:creationId xmlns:p14="http://schemas.microsoft.com/office/powerpoint/2010/main" val="1492271734"/>
+      </p:ext>
+    </p:extLst>
+  </p:cSld>
+  <p:clrMapOvr>
+    <a:masterClrMapping/>
+  </p:clrMapOvr>
+</p:sld>
+</file>
+
+<file path=ppt/slides/slide11.xml><?xml version="1.0" encoding="utf-8"?>
+<p:sld xmlns:a="http://schemas.openxmlformats.org/drawingml/2006/main" xmlns:r="http://schemas.openxmlformats.org/officeDocument/2006/relationships" xmlns:p="http://schemas.openxmlformats.org/presentationml/2006/main">
+  <p:cSld>
+    <p:bg>
+      <p:bgPr>
+        <a:solidFill>
+          <a:srgbClr val="000000"/>
+        </a:solidFill>
+        <a:effectLst/>
+      </p:bgPr>
+    </p:bg>
+    <p:spTree>
+      <p:nvGrpSpPr>
+        <p:cNvPr id="1" name=""/>
+        <p:cNvGrpSpPr/>
+        <p:nvPr/>
+      </p:nvGrpSpPr>
+      <p:grpSpPr>
+        <a:xfrm>
+          <a:off x="0" y="0"/>
+          <a:ext cx="0" cy="0"/>
+          <a:chOff x="0" y="0"/>
+          <a:chExt cx="0" cy="0"/>
+        </a:xfrm>
+      </p:grpSpPr>
+      <p:sp>
+        <p:nvSpPr>
+          <p:cNvPr id="21" name="Rectangle 20">
+            <a:extLst>
+              <a:ext uri="{FF2B5EF4-FFF2-40B4-BE49-F238E27FC236}">
+                <a16:creationId xmlns:a16="http://schemas.microsoft.com/office/drawing/2014/main" id="{71B2258F-86CA-4D4D-8270-BC05FCDEBFB3}"/>
+              </a:ext>
+              <a:ext uri="{C183D7F6-B498-43B3-948B-1728B52AA6E4}">
+                <adec:decorative xmlns:adec="http://schemas.microsoft.com/office/drawing/2017/decorative" val="1"/>
+              </a:ext>
+            </a:extLst>
+          </p:cNvPr>
+          <p:cNvSpPr>
+            <a:spLocks noGrp="1" noRot="1" noChangeAspect="1" noMove="1" noResize="1" noEditPoints="1" noAdjustHandles="1" noChangeArrowheads="1" noChangeShapeType="1" noTextEdit="1"/>
+          </p:cNvSpPr>
+          <p:nvPr>
+            <p:extLst>
+              <p:ext uri="{386F3935-93C4-4BCD-93E2-E3B085C9AB24}">
+                <p16:designElem xmlns:p16="http://schemas.microsoft.com/office/powerpoint/2015/main" val="1"/>
+              </p:ext>
+            </p:extLst>
+          </p:nvPr>
+        </p:nvSpPr>
+        <p:spPr>
+          <a:xfrm>
+            <a:off x="0" y="0"/>
+            <a:ext cx="12192000" cy="6857999"/>
+          </a:xfrm>
+          <a:prstGeom prst="rect">
+            <a:avLst/>
+          </a:prstGeom>
+          <a:solidFill>
+            <a:srgbClr val="000000"/>
+          </a:solidFill>
+          <a:ln>
+            <a:noFill/>
+          </a:ln>
+        </p:spPr>
+        <p:style>
+          <a:lnRef idx="2">
+            <a:schemeClr val="accent1">
+              <a:shade val="50000"/>
+            </a:schemeClr>
+          </a:lnRef>
+          <a:fillRef idx="1">
+            <a:schemeClr val="accent1"/>
+          </a:fillRef>
+          <a:effectRef idx="0">
+            <a:schemeClr val="accent1"/>
+          </a:effectRef>
+          <a:fontRef idx="minor">
+            <a:schemeClr val="lt1"/>
+          </a:fontRef>
+        </p:style>
+        <p:txBody>
+          <a:bodyPr rtlCol="0" anchor="ctr"/>
+          <a:lstStyle/>
+          <a:p>
+            <a:pPr algn="ctr"/>
+            <a:endParaRPr lang="en-US"/>
+          </a:p>
+        </p:txBody>
+      </p:sp>
+      <p:pic>
+        <p:nvPicPr>
+          <p:cNvPr id="11" name="Picture 10" descr="A screenshot of a social media post&#10;&#10;Description automatically generated">
+            <a:extLst>
+              <a:ext uri="{FF2B5EF4-FFF2-40B4-BE49-F238E27FC236}">
+                <a16:creationId xmlns:a16="http://schemas.microsoft.com/office/drawing/2014/main" id="{C1275DB6-2B8F-4892-8451-D8FE7598C212}"/>
+              </a:ext>
+            </a:extLst>
+          </p:cNvPr>
+          <p:cNvPicPr>
+            <a:picLocks noChangeAspect="1"/>
+          </p:cNvPicPr>
+          <p:nvPr/>
+        </p:nvPicPr>
+        <p:blipFill rotWithShape="1">
+          <a:blip r:embed="rId2">
+            <a:alphaModFix amt="50000"/>
+            <a:extLst>
+              <a:ext uri="{BEBA8EAE-BF5A-486C-A8C5-ECC9F3942E4B}">
+                <a14:imgProps xmlns:a14="http://schemas.microsoft.com/office/drawing/2010/main">
+                  <a14:imgLayer r:embed="rId3">
+                    <a14:imgEffect>
+                      <a14:sharpenSoften amount="-50000"/>
+                    </a14:imgEffect>
+                  </a14:imgLayer>
+                </a14:imgProps>
+              </a:ext>
+            </a:extLst>
+          </a:blip>
+          <a:srcRect r="888" b="-1"/>
+          <a:stretch/>
+        </p:blipFill>
+        <p:spPr>
+          <a:xfrm>
+            <a:off x="20" y="1"/>
+            <a:ext cx="12191980" cy="6857999"/>
+          </a:xfrm>
+          <a:prstGeom prst="rect">
+            <a:avLst/>
+          </a:prstGeom>
+        </p:spPr>
+      </p:pic>
+      <p:sp>
+        <p:nvSpPr>
+          <p:cNvPr id="4" name="Title 3">
+            <a:extLst>
+              <a:ext uri="{FF2B5EF4-FFF2-40B4-BE49-F238E27FC236}">
+                <a16:creationId xmlns:a16="http://schemas.microsoft.com/office/drawing/2014/main" id="{50665D1F-83B8-4298-80DC-6BC5C32E41F0}"/>
+              </a:ext>
+            </a:extLst>
+          </p:cNvPr>
+          <p:cNvSpPr>
+            <a:spLocks noGrp="1"/>
+          </p:cNvSpPr>
+          <p:nvPr>
+            <p:ph type="ctrTitle"/>
+          </p:nvPr>
+        </p:nvSpPr>
+        <p:spPr>
+          <a:xfrm>
+            <a:off x="1524000" y="1122362"/>
+            <a:ext cx="9144000" cy="2900518"/>
+          </a:xfrm>
+        </p:spPr>
+        <p:txBody>
+          <a:bodyPr>
+            <a:normAutofit/>
+          </a:bodyPr>
+          <a:lstStyle/>
+          <a:p>
+            <a:r>
+              <a:rPr lang="en-US" b="1" dirty="0">
+                <a:solidFill>
+                  <a:srgbClr val="FFFFFF"/>
+                </a:solidFill>
+              </a:rPr>
+              <a:t>And now, a demonstration...</a:t>
+            </a:r>
+          </a:p>
+        </p:txBody>
+      </p:sp>
+    </p:spTree>
+    <p:extLst>
+      <p:ext uri="{BB962C8B-B14F-4D97-AF65-F5344CB8AC3E}">
+        <p14:creationId xmlns:p14="http://schemas.microsoft.com/office/powerpoint/2010/main" val="2912833572"/>
+      </p:ext>
+    </p:extLst>
+  </p:cSld>
+  <p:clrMapOvr>
+    <a:overrideClrMapping bg1="dk1" tx1="lt1" bg2="dk2" tx2="lt2" accent1="accent1" accent2="accent2" accent3="accent3" accent4="accent4" accent5="accent5" accent6="accent6" hlink="hlink" folHlink="folHlink"/>
+  </p:clrMapOvr>
+</p:sld>
+</file>
+
 <file path=ppt/slides/slide2.xml><?xml version="1.0" encoding="utf-8"?>
 <p:sld xmlns:a="http://schemas.openxmlformats.org/drawingml/2006/main" xmlns:r="http://schemas.openxmlformats.org/officeDocument/2006/relationships" xmlns:p="http://schemas.openxmlformats.org/presentationml/2006/main">
   <p:cSld>
@@ -4426,7 +4799,7 @@
           <a:p>
             <a:r>
               <a:rPr lang="en-US" dirty="0"/>
-              <a:t>Establishments local to a coordinate location</a:t>
+              <a:t>Possible meeting places </a:t>
             </a:r>
           </a:p>
           <a:p>
@@ -4469,7 +4842,7 @@
           <p:cNvPr id="4" name="Picture 3" descr="A close up of a map&#10;&#10;Description automatically generated">
             <a:extLst>
               <a:ext uri="{FF2B5EF4-FFF2-40B4-BE49-F238E27FC236}">
-                <a16:creationId xmlns:a16="http://schemas.microsoft.com/office/drawing/2014/main" id="{7C49253B-3CCB-463B-92D9-433A8A2E750D}"/>
+                <a16:creationId xmlns:a16="http://schemas.microsoft.com/office/drawing/2014/main" id="{1E90EC05-A4E2-440D-8946-64BB4B9D6B3E}"/>
               </a:ext>
             </a:extLst>
           </p:cNvPr>
@@ -4479,7 +4852,7 @@
           <p:nvPr/>
         </p:nvPicPr>
         <p:blipFill>
-          <a:blip r:embed="rId3">
+          <a:blip r:embed="rId2">
             <a:alphaModFix amt="20000"/>
             <a:extLst>
               <a:ext uri="{28A0092B-C50C-407E-A947-70E740481C1C}">
@@ -4506,7 +4879,7 @@
           <p:cNvPr id="2" name="Title 1">
             <a:extLst>
               <a:ext uri="{FF2B5EF4-FFF2-40B4-BE49-F238E27FC236}">
-                <a16:creationId xmlns:a16="http://schemas.microsoft.com/office/drawing/2014/main" id="{C80AF392-CBD3-46BA-A24F-58BEC7E6BB61}"/>
+                <a16:creationId xmlns:a16="http://schemas.microsoft.com/office/drawing/2014/main" id="{162C51A6-AED2-4ADC-9A0A-3F11327FA5D0}"/>
               </a:ext>
             </a:extLst>
           </p:cNvPr>
@@ -4517,14 +4890,19 @@
             <p:ph type="title"/>
           </p:nvPr>
         </p:nvSpPr>
-        <p:spPr/>
+        <p:spPr>
+          <a:xfrm>
+            <a:off x="838200" y="18255"/>
+            <a:ext cx="10515600" cy="1325563"/>
+          </a:xfrm>
+        </p:spPr>
         <p:txBody>
           <a:bodyPr/>
           <a:lstStyle/>
           <a:p>
             <a:r>
               <a:rPr lang="en-US" dirty="0"/>
-              <a:t>Data Classes and Inheritance</a:t>
+              <a:t>Google Maps APIs</a:t>
             </a:r>
           </a:p>
         </p:txBody>
@@ -4534,7 +4912,7 @@
           <p:cNvPr id="3" name="Content Placeholder 2">
             <a:extLst>
               <a:ext uri="{FF2B5EF4-FFF2-40B4-BE49-F238E27FC236}">
-                <a16:creationId xmlns:a16="http://schemas.microsoft.com/office/drawing/2014/main" id="{B1CE368B-39DB-479A-8953-4CB5A8187636}"/>
+                <a16:creationId xmlns:a16="http://schemas.microsoft.com/office/drawing/2014/main" id="{35A8E5A4-C505-4DAC-AA55-B2A6ED44786A}"/>
               </a:ext>
             </a:extLst>
           </p:cNvPr>
@@ -4545,7 +4923,12 @@
             <p:ph idx="1"/>
           </p:nvPr>
         </p:nvSpPr>
-        <p:spPr/>
+        <p:spPr>
+          <a:xfrm>
+            <a:off x="838200" y="1026635"/>
+            <a:ext cx="10515600" cy="5400798"/>
+          </a:xfrm>
+        </p:spPr>
         <p:txBody>
           <a:bodyPr>
             <a:normAutofit fontScale="92500" lnSpcReduction="10000"/>
@@ -4554,116 +4937,114 @@
           <a:p>
             <a:r>
               <a:rPr lang="en-US" dirty="0"/>
+              <a:t>Directions API</a:t>
+            </a:r>
+          </a:p>
+          <a:p>
+            <a:pPr lvl="1"/>
+            <a:r>
+              <a:rPr lang="en-US" dirty="0"/>
+              <a:t>Returns array of Step objects</a:t>
+            </a:r>
+          </a:p>
+          <a:p>
+            <a:pPr lvl="1"/>
+            <a:r>
+              <a:rPr lang="en-US" dirty="0"/>
+              <a:t>Required parameters</a:t>
+            </a:r>
+          </a:p>
+          <a:p>
+            <a:pPr lvl="2"/>
+            <a:r>
+              <a:rPr lang="en-US" dirty="0"/>
+              <a:t>Origin</a:t>
+            </a:r>
+          </a:p>
+          <a:p>
+            <a:pPr lvl="2"/>
+            <a:r>
+              <a:rPr lang="en-US" dirty="0"/>
+              <a:t>Destination</a:t>
+            </a:r>
+          </a:p>
+          <a:p>
+            <a:pPr lvl="2"/>
+            <a:r>
+              <a:rPr lang="en-US" dirty="0"/>
+              <a:t>API Key</a:t>
+            </a:r>
+          </a:p>
+          <a:p>
+            <a:r>
+              <a:rPr lang="en-US" dirty="0"/>
+              <a:t>Places API</a:t>
+            </a:r>
+          </a:p>
+          <a:p>
+            <a:pPr lvl="1"/>
+            <a:r>
+              <a:rPr lang="en-US" dirty="0"/>
+              <a:t>Returns ArrayList of possible meetup locations</a:t>
+            </a:r>
+          </a:p>
+          <a:p>
+            <a:pPr lvl="1"/>
+            <a:r>
+              <a:rPr lang="en-US" dirty="0"/>
+              <a:t>Required parameters</a:t>
+            </a:r>
+          </a:p>
+          <a:p>
+            <a:pPr lvl="2"/>
+            <a:r>
+              <a:rPr lang="en-US" dirty="0"/>
               <a:t>Location</a:t>
             </a:r>
           </a:p>
           <a:p>
+            <a:pPr lvl="2"/>
+            <a:r>
+              <a:rPr lang="en-US" dirty="0"/>
+              <a:t>Radius</a:t>
+            </a:r>
+          </a:p>
+          <a:p>
+            <a:pPr lvl="2"/>
+            <a:r>
+              <a:rPr lang="en-US" dirty="0"/>
+              <a:t>API Key</a:t>
+            </a:r>
+          </a:p>
+          <a:p>
+            <a:r>
+              <a:rPr lang="en-US" dirty="0"/>
+              <a:t>546 API calls to google maps servers</a:t>
+            </a:r>
+          </a:p>
+          <a:p>
+            <a:r>
+              <a:rPr lang="en-US" dirty="0"/>
+              <a:t>URL requests made return a String Buffer object</a:t>
+            </a:r>
+          </a:p>
+          <a:p>
             <a:pPr lvl="1"/>
             <a:r>
               <a:rPr lang="en-US" dirty="0"/>
-              <a:t>Stores latitude and longitude</a:t>
-            </a:r>
-          </a:p>
-          <a:p>
-            <a:r>
-              <a:rPr lang="en-US" dirty="0"/>
-              <a:t>Step</a:t>
-            </a:r>
+              <a:t>Multi-thread safe, mutable sequence of characters</a:t>
+            </a:r>
+          </a:p>
+          <a:p>
+            <a:pPr lvl="2"/>
+            <a:endParaRPr lang="en-US" dirty="0"/>
+          </a:p>
+          <a:p>
+            <a:pPr lvl="2"/>
+            <a:endParaRPr lang="en-US" dirty="0"/>
           </a:p>
           <a:p>
             <a:pPr lvl="1"/>
-            <a:r>
-              <a:rPr lang="en-US" dirty="0"/>
-              <a:t>Stores start location, end location, distance, and duration of each step in the navigation</a:t>
-            </a:r>
-          </a:p>
-          <a:p>
-            <a:r>
-              <a:rPr lang="en-US" dirty="0" err="1"/>
-              <a:t>MeetingPlace</a:t>
-            </a:r>
-            <a:r>
-              <a:rPr lang="en-US" dirty="0"/>
-              <a:t> extends Location</a:t>
-            </a:r>
-          </a:p>
-          <a:p>
-            <a:pPr lvl="1"/>
-            <a:r>
-              <a:rPr lang="en-US" dirty="0"/>
-              <a:t>Also stores name, address, </a:t>
-            </a:r>
-            <a:r>
-              <a:rPr lang="en-US" dirty="0" err="1"/>
-              <a:t>placeType</a:t>
-            </a:r>
-            <a:r>
-              <a:rPr lang="en-US" dirty="0"/>
-              <a:t>, and </a:t>
-            </a:r>
-            <a:r>
-              <a:rPr lang="en-US" dirty="0" err="1"/>
-              <a:t>starRating</a:t>
-            </a:r>
-            <a:endParaRPr lang="en-US" dirty="0"/>
-          </a:p>
-          <a:p>
-            <a:r>
-              <a:rPr lang="en-US" dirty="0"/>
-              <a:t>Restaurant extends </a:t>
-            </a:r>
-            <a:r>
-              <a:rPr lang="en-US" dirty="0" err="1"/>
-              <a:t>MeetingPlace</a:t>
-            </a:r>
-            <a:endParaRPr lang="en-US" dirty="0"/>
-          </a:p>
-          <a:p>
-            <a:pPr lvl="1"/>
-            <a:r>
-              <a:rPr lang="en-US" dirty="0"/>
-              <a:t>Also stores </a:t>
-            </a:r>
-            <a:r>
-              <a:rPr lang="en-US" dirty="0" err="1"/>
-              <a:t>dollarRating</a:t>
-            </a:r>
-            <a:endParaRPr lang="en-US" dirty="0"/>
-          </a:p>
-          <a:p>
-            <a:r>
-              <a:rPr lang="en-US" dirty="0" err="1"/>
-              <a:t>GasStation</a:t>
-            </a:r>
-            <a:r>
-              <a:rPr lang="en-US" dirty="0"/>
-              <a:t> extends </a:t>
-            </a:r>
-            <a:r>
-              <a:rPr lang="en-US" dirty="0" err="1"/>
-              <a:t>MeetingPlace</a:t>
-            </a:r>
-            <a:endParaRPr lang="en-US" dirty="0"/>
-          </a:p>
-          <a:p>
-            <a:pPr lvl="1"/>
-            <a:r>
-              <a:rPr lang="en-US" dirty="0"/>
-              <a:t>Also stores </a:t>
-            </a:r>
-            <a:r>
-              <a:rPr lang="en-US" dirty="0" err="1"/>
-              <a:t>gasPrice</a:t>
-            </a:r>
-            <a:endParaRPr lang="en-US" dirty="0"/>
-          </a:p>
-          <a:p>
-            <a:pPr marL="457200" lvl="1" indent="0">
-              <a:buNone/>
-            </a:pPr>
-            <a:endParaRPr lang="en-US" dirty="0"/>
-          </a:p>
-          <a:p>
             <a:endParaRPr lang="en-US" dirty="0"/>
           </a:p>
         </p:txBody>
@@ -4671,7 +5052,7 @@
     </p:spTree>
     <p:extLst>
       <p:ext uri="{BB962C8B-B14F-4D97-AF65-F5344CB8AC3E}">
-        <p14:creationId xmlns:p14="http://schemas.microsoft.com/office/powerpoint/2010/main" val="3650152531"/>
+        <p14:creationId xmlns:p14="http://schemas.microsoft.com/office/powerpoint/2010/main" val="743833430"/>
       </p:ext>
     </p:extLst>
   </p:cSld>
@@ -4682,6 +5063,165 @@
 </file>
 
 <file path=ppt/slides/slide4.xml><?xml version="1.0" encoding="utf-8"?>
+<p:sld xmlns:a="http://schemas.openxmlformats.org/drawingml/2006/main" xmlns:r="http://schemas.openxmlformats.org/officeDocument/2006/relationships" xmlns:p="http://schemas.openxmlformats.org/presentationml/2006/main">
+  <p:cSld>
+    <p:bg>
+      <p:bgPr>
+        <a:solidFill>
+          <a:schemeClr val="bg1"/>
+        </a:solidFill>
+        <a:effectLst/>
+      </p:bgPr>
+    </p:bg>
+    <p:spTree>
+      <p:nvGrpSpPr>
+        <p:cNvPr id="1" name=""/>
+        <p:cNvGrpSpPr/>
+        <p:nvPr/>
+      </p:nvGrpSpPr>
+      <p:grpSpPr>
+        <a:xfrm>
+          <a:off x="0" y="0"/>
+          <a:ext cx="0" cy="0"/>
+          <a:chOff x="0" y="0"/>
+          <a:chExt cx="0" cy="0"/>
+        </a:xfrm>
+      </p:grpSpPr>
+      <p:pic>
+        <p:nvPicPr>
+          <p:cNvPr id="4" name="Picture 3">
+            <a:extLst>
+              <a:ext uri="{FF2B5EF4-FFF2-40B4-BE49-F238E27FC236}">
+                <a16:creationId xmlns:a16="http://schemas.microsoft.com/office/drawing/2014/main" id="{1860D1A1-9246-4E0C-8A1C-A54112AC8DE3}"/>
+              </a:ext>
+            </a:extLst>
+          </p:cNvPr>
+          <p:cNvPicPr>
+            <a:picLocks noChangeAspect="1"/>
+          </p:cNvPicPr>
+          <p:nvPr/>
+        </p:nvPicPr>
+        <p:blipFill>
+          <a:blip r:embed="rId2"/>
+          <a:stretch>
+            <a:fillRect/>
+          </a:stretch>
+        </p:blipFill>
+        <p:spPr>
+          <a:xfrm>
+            <a:off x="0" y="0"/>
+            <a:ext cx="12192000" cy="6857999"/>
+          </a:xfrm>
+          <a:prstGeom prst="rect">
+            <a:avLst/>
+          </a:prstGeom>
+        </p:spPr>
+      </p:pic>
+      <p:sp>
+        <p:nvSpPr>
+          <p:cNvPr id="2" name="Title 1">
+            <a:extLst>
+              <a:ext uri="{FF2B5EF4-FFF2-40B4-BE49-F238E27FC236}">
+                <a16:creationId xmlns:a16="http://schemas.microsoft.com/office/drawing/2014/main" id="{6973071D-7D50-46D1-9DAD-F96369B61398}"/>
+              </a:ext>
+            </a:extLst>
+          </p:cNvPr>
+          <p:cNvSpPr>
+            <a:spLocks noGrp="1"/>
+          </p:cNvSpPr>
+          <p:nvPr>
+            <p:ph type="title"/>
+          </p:nvPr>
+        </p:nvSpPr>
+        <p:spPr>
+          <a:xfrm>
+            <a:off x="838199" y="291090"/>
+            <a:ext cx="10515599" cy="932688"/>
+          </a:xfrm>
+        </p:spPr>
+        <p:txBody>
+          <a:bodyPr vert="horz" lIns="91440" tIns="45720" rIns="91440" bIns="45720" rtlCol="0" anchor="b">
+            <a:normAutofit/>
+          </a:bodyPr>
+          <a:lstStyle/>
+          <a:p>
+            <a:pPr algn="ctr"/>
+            <a:r>
+              <a:rPr lang="en-US" sz="4800" kern="1200" dirty="0">
+                <a:solidFill>
+                  <a:schemeClr val="tx1"/>
+                </a:solidFill>
+                <a:latin typeface="+mj-lt"/>
+                <a:ea typeface="+mj-ea"/>
+                <a:cs typeface="+mj-cs"/>
+              </a:rPr>
+              <a:t>Google API Data</a:t>
+            </a:r>
+          </a:p>
+        </p:txBody>
+      </p:sp>
+      <p:pic>
+        <p:nvPicPr>
+          <p:cNvPr id="1026" name="Picture 2" descr="A screenshot of a cell phone&#10;&#10;Description automatically generated">
+            <a:extLst>
+              <a:ext uri="{FF2B5EF4-FFF2-40B4-BE49-F238E27FC236}">
+                <a16:creationId xmlns:a16="http://schemas.microsoft.com/office/drawing/2014/main" id="{933DFBE2-BD49-4808-8F57-E7565121AE24}"/>
+              </a:ext>
+            </a:extLst>
+          </p:cNvPr>
+          <p:cNvPicPr>
+            <a:picLocks noGrp="1" noChangeAspect="1" noChangeArrowheads="1"/>
+          </p:cNvPicPr>
+          <p:nvPr>
+            <p:ph idx="1"/>
+          </p:nvPr>
+        </p:nvPicPr>
+        <p:blipFill>
+          <a:blip r:embed="rId3">
+            <a:extLst>
+              <a:ext uri="{28A0092B-C50C-407E-A947-70E740481C1C}">
+                <a14:useLocalDpi xmlns:a14="http://schemas.microsoft.com/office/drawing/2010/main" val="0"/>
+              </a:ext>
+            </a:extLst>
+          </a:blip>
+          <a:stretch>
+            <a:fillRect/>
+          </a:stretch>
+        </p:blipFill>
+        <p:spPr bwMode="auto">
+          <a:xfrm>
+            <a:off x="0" y="1223778"/>
+            <a:ext cx="12192000" cy="5569193"/>
+          </a:xfrm>
+          <a:prstGeom prst="rect">
+            <a:avLst/>
+          </a:prstGeom>
+          <a:noFill/>
+          <a:extLst>
+            <a:ext uri="{909E8E84-426E-40DD-AFC4-6F175D3DCCD1}">
+              <a14:hiddenFill xmlns:a14="http://schemas.microsoft.com/office/drawing/2010/main">
+                <a:solidFill>
+                  <a:srgbClr val="FFFFFF"/>
+                </a:solidFill>
+              </a14:hiddenFill>
+            </a:ext>
+          </a:extLst>
+        </p:spPr>
+      </p:pic>
+    </p:spTree>
+    <p:extLst>
+      <p:ext uri="{BB962C8B-B14F-4D97-AF65-F5344CB8AC3E}">
+        <p14:creationId xmlns:p14="http://schemas.microsoft.com/office/powerpoint/2010/main" val="4187314845"/>
+      </p:ext>
+    </p:extLst>
+  </p:cSld>
+  <p:clrMapOvr>
+    <a:masterClrMapping/>
+  </p:clrMapOvr>
+</p:sld>
+</file>
+
+<file path=ppt/slides/slide5.xml><?xml version="1.0" encoding="utf-8"?>
 <p:sld xmlns:a="http://schemas.openxmlformats.org/drawingml/2006/main" xmlns:r="http://schemas.openxmlformats.org/officeDocument/2006/relationships" xmlns:p="http://schemas.openxmlformats.org/presentationml/2006/main">
   <p:cSld>
     <p:spTree>
@@ -4703,7 +5243,7 @@
           <p:cNvPr id="4" name="Picture 3" descr="A close up of a map&#10;&#10;Description automatically generated">
             <a:extLst>
               <a:ext uri="{FF2B5EF4-FFF2-40B4-BE49-F238E27FC236}">
-                <a16:creationId xmlns:a16="http://schemas.microsoft.com/office/drawing/2014/main" id="{AD247274-AE4A-4A64-8E56-D7DD868044B9}"/>
+                <a16:creationId xmlns:a16="http://schemas.microsoft.com/office/drawing/2014/main" id="{999BFA56-2C26-4529-9144-67D2D66D8F21}"/>
               </a:ext>
             </a:extLst>
           </p:cNvPr>
@@ -4713,7 +5253,7 @@
           <p:nvPr/>
         </p:nvPicPr>
         <p:blipFill>
-          <a:blip r:embed="rId3">
+          <a:blip r:embed="rId2">
             <a:alphaModFix amt="20000"/>
             <a:extLst>
               <a:ext uri="{28A0092B-C50C-407E-A947-70E740481C1C}">
@@ -4740,6 +5280,415 @@
           <p:cNvPr id="2" name="Title 1">
             <a:extLst>
               <a:ext uri="{FF2B5EF4-FFF2-40B4-BE49-F238E27FC236}">
+                <a16:creationId xmlns:a16="http://schemas.microsoft.com/office/drawing/2014/main" id="{2D70BCCC-1B9D-414C-8FEC-CFC1DEC570C0}"/>
+              </a:ext>
+            </a:extLst>
+          </p:cNvPr>
+          <p:cNvSpPr>
+            <a:spLocks noGrp="1"/>
+          </p:cNvSpPr>
+          <p:nvPr>
+            <p:ph type="title"/>
+          </p:nvPr>
+        </p:nvSpPr>
+        <p:spPr/>
+        <p:txBody>
+          <a:bodyPr/>
+          <a:lstStyle/>
+          <a:p>
+            <a:r>
+              <a:rPr lang="en-US" dirty="0"/>
+              <a:t>Parsing the Data</a:t>
+            </a:r>
+          </a:p>
+        </p:txBody>
+      </p:sp>
+      <p:sp>
+        <p:nvSpPr>
+          <p:cNvPr id="3" name="Content Placeholder 2">
+            <a:extLst>
+              <a:ext uri="{FF2B5EF4-FFF2-40B4-BE49-F238E27FC236}">
+                <a16:creationId xmlns:a16="http://schemas.microsoft.com/office/drawing/2014/main" id="{8440A04D-5C82-488C-B294-BAFF1D90CF39}"/>
+              </a:ext>
+            </a:extLst>
+          </p:cNvPr>
+          <p:cNvSpPr>
+            <a:spLocks noGrp="1"/>
+          </p:cNvSpPr>
+          <p:nvPr>
+            <p:ph idx="1"/>
+          </p:nvPr>
+        </p:nvSpPr>
+        <p:spPr/>
+        <p:txBody>
+          <a:bodyPr/>
+          <a:lstStyle/>
+          <a:p>
+            <a:r>
+              <a:rPr lang="en-US" dirty="0"/>
+              <a:t>JavaScript Object Notation</a:t>
+            </a:r>
+          </a:p>
+          <a:p>
+            <a:pPr lvl="1"/>
+            <a:r>
+              <a:rPr lang="en-US" dirty="0"/>
+              <a:t>Attribute-value pairs</a:t>
+            </a:r>
+          </a:p>
+          <a:p>
+            <a:pPr lvl="1"/>
+            <a:r>
+              <a:rPr lang="en-US" dirty="0"/>
+              <a:t>Array data types</a:t>
+            </a:r>
+          </a:p>
+          <a:p>
+            <a:r>
+              <a:rPr lang="en-US" dirty="0" err="1"/>
+              <a:t>String.split</a:t>
+            </a:r>
+            <a:r>
+              <a:rPr lang="en-US" dirty="0"/>
+              <a:t>() method</a:t>
+            </a:r>
+          </a:p>
+          <a:p>
+            <a:r>
+              <a:rPr lang="en-US" dirty="0" err="1"/>
+              <a:t>String.contains</a:t>
+            </a:r>
+            <a:r>
+              <a:rPr lang="en-US" dirty="0"/>
+              <a:t>() method</a:t>
+            </a:r>
+          </a:p>
+          <a:p>
+            <a:r>
+              <a:rPr lang="en-US" dirty="0"/>
+              <a:t>Some data had to be converted</a:t>
+            </a:r>
+          </a:p>
+          <a:p>
+            <a:pPr lvl="1"/>
+            <a:r>
+              <a:rPr lang="en-US" dirty="0" err="1"/>
+              <a:t>String.valueOf</a:t>
+            </a:r>
+            <a:r>
+              <a:rPr lang="en-US"/>
+              <a:t>()</a:t>
+            </a:r>
+            <a:endParaRPr lang="en-US" dirty="0"/>
+          </a:p>
+        </p:txBody>
+      </p:sp>
+    </p:spTree>
+    <p:extLst>
+      <p:ext uri="{BB962C8B-B14F-4D97-AF65-F5344CB8AC3E}">
+        <p14:creationId xmlns:p14="http://schemas.microsoft.com/office/powerpoint/2010/main" val="967756725"/>
+      </p:ext>
+    </p:extLst>
+  </p:cSld>
+  <p:clrMapOvr>
+    <a:masterClrMapping/>
+  </p:clrMapOvr>
+</p:sld>
+</file>
+
+<file path=ppt/slides/slide6.xml><?xml version="1.0" encoding="utf-8"?>
+<p:sld xmlns:a="http://schemas.openxmlformats.org/drawingml/2006/main" xmlns:r="http://schemas.openxmlformats.org/officeDocument/2006/relationships" xmlns:p="http://schemas.openxmlformats.org/presentationml/2006/main">
+  <p:cSld>
+    <p:spTree>
+      <p:nvGrpSpPr>
+        <p:cNvPr id="1" name=""/>
+        <p:cNvGrpSpPr/>
+        <p:nvPr/>
+      </p:nvGrpSpPr>
+      <p:grpSpPr>
+        <a:xfrm>
+          <a:off x="0" y="0"/>
+          <a:ext cx="0" cy="0"/>
+          <a:chOff x="0" y="0"/>
+          <a:chExt cx="0" cy="0"/>
+        </a:xfrm>
+      </p:grpSpPr>
+      <p:pic>
+        <p:nvPicPr>
+          <p:cNvPr id="4" name="Picture 3" descr="A close up of a map&#10;&#10;Description automatically generated">
+            <a:extLst>
+              <a:ext uri="{FF2B5EF4-FFF2-40B4-BE49-F238E27FC236}">
+                <a16:creationId xmlns:a16="http://schemas.microsoft.com/office/drawing/2014/main" id="{7C49253B-3CCB-463B-92D9-433A8A2E750D}"/>
+              </a:ext>
+            </a:extLst>
+          </p:cNvPr>
+          <p:cNvPicPr>
+            <a:picLocks noChangeAspect="1"/>
+          </p:cNvPicPr>
+          <p:nvPr/>
+        </p:nvPicPr>
+        <p:blipFill>
+          <a:blip r:embed="rId3">
+            <a:alphaModFix amt="20000"/>
+            <a:extLst>
+              <a:ext uri="{28A0092B-C50C-407E-A947-70E740481C1C}">
+                <a14:useLocalDpi xmlns:a14="http://schemas.microsoft.com/office/drawing/2010/main" val="0"/>
+              </a:ext>
+            </a:extLst>
+          </a:blip>
+          <a:stretch>
+            <a:fillRect/>
+          </a:stretch>
+        </p:blipFill>
+        <p:spPr>
+          <a:xfrm>
+            <a:off x="0" y="0"/>
+            <a:ext cx="12192000" cy="6858000"/>
+          </a:xfrm>
+          <a:prstGeom prst="rect">
+            <a:avLst/>
+          </a:prstGeom>
+        </p:spPr>
+      </p:pic>
+      <p:sp>
+        <p:nvSpPr>
+          <p:cNvPr id="2" name="Title 1">
+            <a:extLst>
+              <a:ext uri="{FF2B5EF4-FFF2-40B4-BE49-F238E27FC236}">
+                <a16:creationId xmlns:a16="http://schemas.microsoft.com/office/drawing/2014/main" id="{C80AF392-CBD3-46BA-A24F-58BEC7E6BB61}"/>
+              </a:ext>
+            </a:extLst>
+          </p:cNvPr>
+          <p:cNvSpPr>
+            <a:spLocks noGrp="1"/>
+          </p:cNvSpPr>
+          <p:nvPr>
+            <p:ph type="title"/>
+          </p:nvPr>
+        </p:nvSpPr>
+        <p:spPr/>
+        <p:txBody>
+          <a:bodyPr/>
+          <a:lstStyle/>
+          <a:p>
+            <a:r>
+              <a:rPr lang="en-US" dirty="0"/>
+              <a:t>Data Classes and Inheritance</a:t>
+            </a:r>
+          </a:p>
+        </p:txBody>
+      </p:sp>
+      <p:sp>
+        <p:nvSpPr>
+          <p:cNvPr id="3" name="Content Placeholder 2">
+            <a:extLst>
+              <a:ext uri="{FF2B5EF4-FFF2-40B4-BE49-F238E27FC236}">
+                <a16:creationId xmlns:a16="http://schemas.microsoft.com/office/drawing/2014/main" id="{B1CE368B-39DB-479A-8953-4CB5A8187636}"/>
+              </a:ext>
+            </a:extLst>
+          </p:cNvPr>
+          <p:cNvSpPr>
+            <a:spLocks noGrp="1"/>
+          </p:cNvSpPr>
+          <p:nvPr>
+            <p:ph idx="1"/>
+          </p:nvPr>
+        </p:nvSpPr>
+        <p:spPr/>
+        <p:txBody>
+          <a:bodyPr>
+            <a:normAutofit fontScale="92500" lnSpcReduction="10000"/>
+          </a:bodyPr>
+          <a:lstStyle/>
+          <a:p>
+            <a:r>
+              <a:rPr lang="en-US" dirty="0"/>
+              <a:t>Location</a:t>
+            </a:r>
+          </a:p>
+          <a:p>
+            <a:pPr lvl="1"/>
+            <a:r>
+              <a:rPr lang="en-US" dirty="0"/>
+              <a:t>Stores latitude and longitude</a:t>
+            </a:r>
+          </a:p>
+          <a:p>
+            <a:r>
+              <a:rPr lang="en-US" dirty="0"/>
+              <a:t>Step</a:t>
+            </a:r>
+          </a:p>
+          <a:p>
+            <a:pPr lvl="1"/>
+            <a:r>
+              <a:rPr lang="en-US" dirty="0"/>
+              <a:t>Stores start location, end location, distance, and duration of each step in the navigation</a:t>
+            </a:r>
+          </a:p>
+          <a:p>
+            <a:r>
+              <a:rPr lang="en-US" dirty="0" err="1"/>
+              <a:t>MeetingPlace</a:t>
+            </a:r>
+            <a:r>
+              <a:rPr lang="en-US" dirty="0"/>
+              <a:t> extends Location</a:t>
+            </a:r>
+          </a:p>
+          <a:p>
+            <a:pPr lvl="1"/>
+            <a:r>
+              <a:rPr lang="en-US" dirty="0"/>
+              <a:t>Also stores name, address, </a:t>
+            </a:r>
+            <a:r>
+              <a:rPr lang="en-US" dirty="0" err="1"/>
+              <a:t>placeType</a:t>
+            </a:r>
+            <a:r>
+              <a:rPr lang="en-US" dirty="0"/>
+              <a:t>, and </a:t>
+            </a:r>
+            <a:r>
+              <a:rPr lang="en-US" dirty="0" err="1"/>
+              <a:t>starRating</a:t>
+            </a:r>
+            <a:endParaRPr lang="en-US" dirty="0"/>
+          </a:p>
+          <a:p>
+            <a:r>
+              <a:rPr lang="en-US" dirty="0"/>
+              <a:t>Restaurant extends </a:t>
+            </a:r>
+            <a:r>
+              <a:rPr lang="en-US" dirty="0" err="1"/>
+              <a:t>MeetingPlace</a:t>
+            </a:r>
+            <a:endParaRPr lang="en-US" dirty="0"/>
+          </a:p>
+          <a:p>
+            <a:pPr lvl="1"/>
+            <a:r>
+              <a:rPr lang="en-US" dirty="0"/>
+              <a:t>Also stores </a:t>
+            </a:r>
+            <a:r>
+              <a:rPr lang="en-US" dirty="0" err="1"/>
+              <a:t>dollarRating</a:t>
+            </a:r>
+            <a:endParaRPr lang="en-US" dirty="0"/>
+          </a:p>
+          <a:p>
+            <a:r>
+              <a:rPr lang="en-US" dirty="0" err="1"/>
+              <a:t>GasStation</a:t>
+            </a:r>
+            <a:r>
+              <a:rPr lang="en-US" dirty="0"/>
+              <a:t> extends </a:t>
+            </a:r>
+            <a:r>
+              <a:rPr lang="en-US" dirty="0" err="1"/>
+              <a:t>MeetingPlace</a:t>
+            </a:r>
+            <a:endParaRPr lang="en-US" dirty="0"/>
+          </a:p>
+          <a:p>
+            <a:pPr lvl="1"/>
+            <a:r>
+              <a:rPr lang="en-US" dirty="0"/>
+              <a:t>Also stores </a:t>
+            </a:r>
+            <a:r>
+              <a:rPr lang="en-US" dirty="0" err="1"/>
+              <a:t>gasPrice</a:t>
+            </a:r>
+            <a:endParaRPr lang="en-US" dirty="0"/>
+          </a:p>
+          <a:p>
+            <a:pPr marL="457200" lvl="1" indent="0">
+              <a:buNone/>
+            </a:pPr>
+            <a:endParaRPr lang="en-US" dirty="0"/>
+          </a:p>
+          <a:p>
+            <a:endParaRPr lang="en-US" dirty="0"/>
+          </a:p>
+        </p:txBody>
+      </p:sp>
+    </p:spTree>
+    <p:extLst>
+      <p:ext uri="{BB962C8B-B14F-4D97-AF65-F5344CB8AC3E}">
+        <p14:creationId xmlns:p14="http://schemas.microsoft.com/office/powerpoint/2010/main" val="3650152531"/>
+      </p:ext>
+    </p:extLst>
+  </p:cSld>
+  <p:clrMapOvr>
+    <a:masterClrMapping/>
+  </p:clrMapOvr>
+</p:sld>
+</file>
+
+<file path=ppt/slides/slide7.xml><?xml version="1.0" encoding="utf-8"?>
+<p:sld xmlns:a="http://schemas.openxmlformats.org/drawingml/2006/main" xmlns:r="http://schemas.openxmlformats.org/officeDocument/2006/relationships" xmlns:p="http://schemas.openxmlformats.org/presentationml/2006/main">
+  <p:cSld>
+    <p:spTree>
+      <p:nvGrpSpPr>
+        <p:cNvPr id="1" name=""/>
+        <p:cNvGrpSpPr/>
+        <p:nvPr/>
+      </p:nvGrpSpPr>
+      <p:grpSpPr>
+        <a:xfrm>
+          <a:off x="0" y="0"/>
+          <a:ext cx="0" cy="0"/>
+          <a:chOff x="0" y="0"/>
+          <a:chExt cx="0" cy="0"/>
+        </a:xfrm>
+      </p:grpSpPr>
+      <p:pic>
+        <p:nvPicPr>
+          <p:cNvPr id="4" name="Picture 3" descr="A close up of a map&#10;&#10;Description automatically generated">
+            <a:extLst>
+              <a:ext uri="{FF2B5EF4-FFF2-40B4-BE49-F238E27FC236}">
+                <a16:creationId xmlns:a16="http://schemas.microsoft.com/office/drawing/2014/main" id="{AD247274-AE4A-4A64-8E56-D7DD868044B9}"/>
+              </a:ext>
+            </a:extLst>
+          </p:cNvPr>
+          <p:cNvPicPr>
+            <a:picLocks noChangeAspect="1"/>
+          </p:cNvPicPr>
+          <p:nvPr/>
+        </p:nvPicPr>
+        <p:blipFill>
+          <a:blip r:embed="rId3">
+            <a:alphaModFix amt="20000"/>
+            <a:extLst>
+              <a:ext uri="{28A0092B-C50C-407E-A947-70E740481C1C}">
+                <a14:useLocalDpi xmlns:a14="http://schemas.microsoft.com/office/drawing/2010/main" val="0"/>
+              </a:ext>
+            </a:extLst>
+          </a:blip>
+          <a:stretch>
+            <a:fillRect/>
+          </a:stretch>
+        </p:blipFill>
+        <p:spPr>
+          <a:xfrm>
+            <a:off x="0" y="0"/>
+            <a:ext cx="12192000" cy="6858000"/>
+          </a:xfrm>
+          <a:prstGeom prst="rect">
+            <a:avLst/>
+          </a:prstGeom>
+        </p:spPr>
+      </p:pic>
+      <p:sp>
+        <p:nvSpPr>
+          <p:cNvPr id="2" name="Title 1">
+            <a:extLst>
+              <a:ext uri="{FF2B5EF4-FFF2-40B4-BE49-F238E27FC236}">
                 <a16:creationId xmlns:a16="http://schemas.microsoft.com/office/drawing/2014/main" id="{75520DB0-5D0C-48F4-BA9F-DAF8B4ECF1E2}"/>
               </a:ext>
             </a:extLst>
@@ -4881,7 +5830,7 @@
 </p:sld>
 </file>
 
-<file path=ppt/slides/slide5.xml><?xml version="1.0" encoding="utf-8"?>
+<file path=ppt/slides/slide8.xml><?xml version="1.0" encoding="utf-8"?>
 <p:sld xmlns:a="http://schemas.openxmlformats.org/drawingml/2006/main" xmlns:r="http://schemas.openxmlformats.org/officeDocument/2006/relationships" xmlns:p="http://schemas.openxmlformats.org/presentationml/2006/main">
   <p:cSld>
     <p:spTree>
@@ -5059,7 +6008,7 @@
 </p:sld>
 </file>
 
-<file path=ppt/slides/slide6.xml><?xml version="1.0" encoding="utf-8"?>
+<file path=ppt/slides/slide9.xml><?xml version="1.0" encoding="utf-8"?>
 <p:sld xmlns:a="http://schemas.openxmlformats.org/drawingml/2006/main" xmlns:r="http://schemas.openxmlformats.org/officeDocument/2006/relationships" xmlns:p="http://schemas.openxmlformats.org/presentationml/2006/main">
   <p:cSld>
     <p:spTree>
@@ -5282,376 +6231,6 @@
   </p:cSld>
   <p:clrMapOvr>
     <a:masterClrMapping/>
-  </p:clrMapOvr>
-</p:sld>
-</file>
-
-<file path=ppt/slides/slide7.xml><?xml version="1.0" encoding="utf-8"?>
-<p:sld xmlns:a="http://schemas.openxmlformats.org/drawingml/2006/main" xmlns:r="http://schemas.openxmlformats.org/officeDocument/2006/relationships" xmlns:p="http://schemas.openxmlformats.org/presentationml/2006/main">
-  <p:cSld>
-    <p:spTree>
-      <p:nvGrpSpPr>
-        <p:cNvPr id="1" name=""/>
-        <p:cNvGrpSpPr/>
-        <p:nvPr/>
-      </p:nvGrpSpPr>
-      <p:grpSpPr>
-        <a:xfrm>
-          <a:off x="0" y="0"/>
-          <a:ext cx="0" cy="0"/>
-          <a:chOff x="0" y="0"/>
-          <a:chExt cx="0" cy="0"/>
-        </a:xfrm>
-      </p:grpSpPr>
-      <p:pic>
-        <p:nvPicPr>
-          <p:cNvPr id="4" name="Picture 3" descr="A close up of a map&#10;&#10;Description automatically generated">
-            <a:extLst>
-              <a:ext uri="{FF2B5EF4-FFF2-40B4-BE49-F238E27FC236}">
-                <a16:creationId xmlns:a16="http://schemas.microsoft.com/office/drawing/2014/main" id="{279F7A8D-BBAC-4947-8F8D-D337BF434C57}"/>
-              </a:ext>
-            </a:extLst>
-          </p:cNvPr>
-          <p:cNvPicPr>
-            <a:picLocks noChangeAspect="1"/>
-          </p:cNvPicPr>
-          <p:nvPr/>
-        </p:nvPicPr>
-        <p:blipFill>
-          <a:blip r:embed="rId3">
-            <a:alphaModFix amt="20000"/>
-            <a:extLst>
-              <a:ext uri="{28A0092B-C50C-407E-A947-70E740481C1C}">
-                <a14:useLocalDpi xmlns:a14="http://schemas.microsoft.com/office/drawing/2010/main" val="0"/>
-              </a:ext>
-            </a:extLst>
-          </a:blip>
-          <a:stretch>
-            <a:fillRect/>
-          </a:stretch>
-        </p:blipFill>
-        <p:spPr>
-          <a:xfrm>
-            <a:off x="0" y="0"/>
-            <a:ext cx="12192000" cy="6858000"/>
-          </a:xfrm>
-          <a:prstGeom prst="rect">
-            <a:avLst/>
-          </a:prstGeom>
-        </p:spPr>
-      </p:pic>
-      <p:sp>
-        <p:nvSpPr>
-          <p:cNvPr id="2" name="Title 1">
-            <a:extLst>
-              <a:ext uri="{FF2B5EF4-FFF2-40B4-BE49-F238E27FC236}">
-                <a16:creationId xmlns:a16="http://schemas.microsoft.com/office/drawing/2014/main" id="{1D04D96A-CEA8-4589-8AF8-5A0F0815C662}"/>
-              </a:ext>
-            </a:extLst>
-          </p:cNvPr>
-          <p:cNvSpPr>
-            <a:spLocks noGrp="1"/>
-          </p:cNvSpPr>
-          <p:nvPr>
-            <p:ph type="title"/>
-          </p:nvPr>
-        </p:nvSpPr>
-        <p:spPr/>
-        <p:txBody>
-          <a:bodyPr/>
-          <a:lstStyle/>
-          <a:p>
-            <a:r>
-              <a:rPr lang="en-US" dirty="0"/>
-              <a:t>User Interface</a:t>
-            </a:r>
-          </a:p>
-        </p:txBody>
-      </p:sp>
-      <p:sp>
-        <p:nvSpPr>
-          <p:cNvPr id="3" name="Content Placeholder 2">
-            <a:extLst>
-              <a:ext uri="{FF2B5EF4-FFF2-40B4-BE49-F238E27FC236}">
-                <a16:creationId xmlns:a16="http://schemas.microsoft.com/office/drawing/2014/main" id="{5B380648-E9F6-49D2-A3E1-91F8EBE2D348}"/>
-              </a:ext>
-            </a:extLst>
-          </p:cNvPr>
-          <p:cNvSpPr>
-            <a:spLocks noGrp="1"/>
-          </p:cNvSpPr>
-          <p:nvPr>
-            <p:ph idx="1"/>
-          </p:nvPr>
-        </p:nvSpPr>
-        <p:spPr/>
-        <p:txBody>
-          <a:bodyPr/>
-          <a:lstStyle/>
-          <a:p>
-            <a:r>
-              <a:rPr lang="en-US" dirty="0"/>
-              <a:t>Uses Basic User Interface made with </a:t>
-            </a:r>
-            <a:r>
-              <a:rPr lang="en-US" dirty="0" err="1"/>
-              <a:t>Jframe</a:t>
-            </a:r>
-            <a:endParaRPr lang="en-US" dirty="0"/>
-          </a:p>
-          <a:p>
-            <a:r>
-              <a:rPr lang="en-US" dirty="0"/>
-              <a:t>Features</a:t>
-            </a:r>
-          </a:p>
-          <a:p>
-            <a:pPr lvl="1"/>
-            <a:r>
-              <a:rPr lang="en-US" dirty="0"/>
-              <a:t>Input</a:t>
-            </a:r>
-          </a:p>
-          <a:p>
-            <a:pPr lvl="2"/>
-            <a:r>
-              <a:rPr lang="en-US" dirty="0" err="1"/>
-              <a:t>JButton</a:t>
-            </a:r>
-            <a:endParaRPr lang="en-US" dirty="0"/>
-          </a:p>
-          <a:p>
-            <a:pPr lvl="2"/>
-            <a:r>
-              <a:rPr lang="en-US" dirty="0" err="1"/>
-              <a:t>JTextField</a:t>
-            </a:r>
-            <a:endParaRPr lang="en-US" dirty="0"/>
-          </a:p>
-          <a:p>
-            <a:pPr lvl="1"/>
-            <a:r>
-              <a:rPr lang="en-US" dirty="0"/>
-              <a:t>Output</a:t>
-            </a:r>
-          </a:p>
-          <a:p>
-            <a:pPr lvl="2"/>
-            <a:r>
-              <a:rPr lang="en-US" dirty="0" err="1"/>
-              <a:t>JText</a:t>
-            </a:r>
-            <a:endParaRPr lang="en-US" dirty="0"/>
-          </a:p>
-          <a:p>
-            <a:pPr lvl="2"/>
-            <a:r>
-              <a:rPr lang="en-US" dirty="0" err="1"/>
-              <a:t>ImageIcon</a:t>
-            </a:r>
-            <a:endParaRPr lang="en-US" dirty="0"/>
-          </a:p>
-          <a:p>
-            <a:pPr lvl="2"/>
-            <a:r>
-              <a:rPr lang="en-US" dirty="0" err="1"/>
-              <a:t>JLabel</a:t>
-            </a:r>
-            <a:endParaRPr lang="en-US" dirty="0"/>
-          </a:p>
-        </p:txBody>
-      </p:sp>
-    </p:spTree>
-    <p:extLst>
-      <p:ext uri="{BB962C8B-B14F-4D97-AF65-F5344CB8AC3E}">
-        <p14:creationId xmlns:p14="http://schemas.microsoft.com/office/powerpoint/2010/main" val="1492271734"/>
-      </p:ext>
-    </p:extLst>
-  </p:cSld>
-  <p:clrMapOvr>
-    <a:masterClrMapping/>
-  </p:clrMapOvr>
-</p:sld>
-</file>
-
-<file path=ppt/slides/slide8.xml><?xml version="1.0" encoding="utf-8"?>
-<p:sld xmlns:a="http://schemas.openxmlformats.org/drawingml/2006/main" xmlns:r="http://schemas.openxmlformats.org/officeDocument/2006/relationships" xmlns:p="http://schemas.openxmlformats.org/presentationml/2006/main">
-  <p:cSld>
-    <p:bg>
-      <p:bgPr>
-        <a:solidFill>
-          <a:srgbClr val="000000"/>
-        </a:solidFill>
-        <a:effectLst/>
-      </p:bgPr>
-    </p:bg>
-    <p:spTree>
-      <p:nvGrpSpPr>
-        <p:cNvPr id="1" name=""/>
-        <p:cNvGrpSpPr/>
-        <p:nvPr/>
-      </p:nvGrpSpPr>
-      <p:grpSpPr>
-        <a:xfrm>
-          <a:off x="0" y="0"/>
-          <a:ext cx="0" cy="0"/>
-          <a:chOff x="0" y="0"/>
-          <a:chExt cx="0" cy="0"/>
-        </a:xfrm>
-      </p:grpSpPr>
-      <p:sp>
-        <p:nvSpPr>
-          <p:cNvPr id="21" name="Rectangle 20">
-            <a:extLst>
-              <a:ext uri="{FF2B5EF4-FFF2-40B4-BE49-F238E27FC236}">
-                <a16:creationId xmlns:a16="http://schemas.microsoft.com/office/drawing/2014/main" id="{71B2258F-86CA-4D4D-8270-BC05FCDEBFB3}"/>
-              </a:ext>
-              <a:ext uri="{C183D7F6-B498-43B3-948B-1728B52AA6E4}">
-                <adec:decorative xmlns:adec="http://schemas.microsoft.com/office/drawing/2017/decorative" val="1"/>
-              </a:ext>
-            </a:extLst>
-          </p:cNvPr>
-          <p:cNvSpPr>
-            <a:spLocks noGrp="1" noRot="1" noChangeAspect="1" noMove="1" noResize="1" noEditPoints="1" noAdjustHandles="1" noChangeArrowheads="1" noChangeShapeType="1" noTextEdit="1"/>
-          </p:cNvSpPr>
-          <p:nvPr>
-            <p:extLst>
-              <p:ext uri="{386F3935-93C4-4BCD-93E2-E3B085C9AB24}">
-                <p16:designElem xmlns:p16="http://schemas.microsoft.com/office/powerpoint/2015/main" val="1"/>
-              </p:ext>
-            </p:extLst>
-          </p:nvPr>
-        </p:nvSpPr>
-        <p:spPr>
-          <a:xfrm>
-            <a:off x="0" y="0"/>
-            <a:ext cx="12192000" cy="6857999"/>
-          </a:xfrm>
-          <a:prstGeom prst="rect">
-            <a:avLst/>
-          </a:prstGeom>
-          <a:solidFill>
-            <a:srgbClr val="000000"/>
-          </a:solidFill>
-          <a:ln>
-            <a:noFill/>
-          </a:ln>
-        </p:spPr>
-        <p:style>
-          <a:lnRef idx="2">
-            <a:schemeClr val="accent1">
-              <a:shade val="50000"/>
-            </a:schemeClr>
-          </a:lnRef>
-          <a:fillRef idx="1">
-            <a:schemeClr val="accent1"/>
-          </a:fillRef>
-          <a:effectRef idx="0">
-            <a:schemeClr val="accent1"/>
-          </a:effectRef>
-          <a:fontRef idx="minor">
-            <a:schemeClr val="lt1"/>
-          </a:fontRef>
-        </p:style>
-        <p:txBody>
-          <a:bodyPr rtlCol="0" anchor="ctr"/>
-          <a:lstStyle/>
-          <a:p>
-            <a:pPr algn="ctr"/>
-            <a:endParaRPr lang="en-US"/>
-          </a:p>
-        </p:txBody>
-      </p:sp>
-      <p:pic>
-        <p:nvPicPr>
-          <p:cNvPr id="11" name="Picture 10" descr="A screenshot of a social media post&#10;&#10;Description automatically generated">
-            <a:extLst>
-              <a:ext uri="{FF2B5EF4-FFF2-40B4-BE49-F238E27FC236}">
-                <a16:creationId xmlns:a16="http://schemas.microsoft.com/office/drawing/2014/main" id="{C1275DB6-2B8F-4892-8451-D8FE7598C212}"/>
-              </a:ext>
-            </a:extLst>
-          </p:cNvPr>
-          <p:cNvPicPr>
-            <a:picLocks noChangeAspect="1"/>
-          </p:cNvPicPr>
-          <p:nvPr/>
-        </p:nvPicPr>
-        <p:blipFill rotWithShape="1">
-          <a:blip r:embed="rId2">
-            <a:alphaModFix amt="50000"/>
-            <a:extLst>
-              <a:ext uri="{BEBA8EAE-BF5A-486C-A8C5-ECC9F3942E4B}">
-                <a14:imgProps xmlns:a14="http://schemas.microsoft.com/office/drawing/2010/main">
-                  <a14:imgLayer r:embed="rId3">
-                    <a14:imgEffect>
-                      <a14:sharpenSoften amount="-50000"/>
-                    </a14:imgEffect>
-                  </a14:imgLayer>
-                </a14:imgProps>
-              </a:ext>
-            </a:extLst>
-          </a:blip>
-          <a:srcRect r="888" b="-1"/>
-          <a:stretch/>
-        </p:blipFill>
-        <p:spPr>
-          <a:xfrm>
-            <a:off x="20" y="1"/>
-            <a:ext cx="12191980" cy="6857999"/>
-          </a:xfrm>
-          <a:prstGeom prst="rect">
-            <a:avLst/>
-          </a:prstGeom>
-        </p:spPr>
-      </p:pic>
-      <p:sp>
-        <p:nvSpPr>
-          <p:cNvPr id="4" name="Title 3">
-            <a:extLst>
-              <a:ext uri="{FF2B5EF4-FFF2-40B4-BE49-F238E27FC236}">
-                <a16:creationId xmlns:a16="http://schemas.microsoft.com/office/drawing/2014/main" id="{50665D1F-83B8-4298-80DC-6BC5C32E41F0}"/>
-              </a:ext>
-            </a:extLst>
-          </p:cNvPr>
-          <p:cNvSpPr>
-            <a:spLocks noGrp="1"/>
-          </p:cNvSpPr>
-          <p:nvPr>
-            <p:ph type="ctrTitle"/>
-          </p:nvPr>
-        </p:nvSpPr>
-        <p:spPr>
-          <a:xfrm>
-            <a:off x="1524000" y="1122362"/>
-            <a:ext cx="9144000" cy="2900518"/>
-          </a:xfrm>
-        </p:spPr>
-        <p:txBody>
-          <a:bodyPr>
-            <a:normAutofit/>
-          </a:bodyPr>
-          <a:lstStyle/>
-          <a:p>
-            <a:r>
-              <a:rPr lang="en-US" b="1" dirty="0">
-                <a:solidFill>
-                  <a:srgbClr val="FFFFFF"/>
-                </a:solidFill>
-              </a:rPr>
-              <a:t>And now, a demonstration...</a:t>
-            </a:r>
-          </a:p>
-        </p:txBody>
-      </p:sp>
-    </p:spTree>
-    <p:extLst>
-      <p:ext uri="{BB962C8B-B14F-4D97-AF65-F5344CB8AC3E}">
-        <p14:creationId xmlns:p14="http://schemas.microsoft.com/office/powerpoint/2010/main" val="2912833572"/>
-      </p:ext>
-    </p:extLst>
-  </p:cSld>
-  <p:clrMapOvr>
-    <a:overrideClrMapping bg1="dk1" tx1="lt1" bg2="dk2" tx2="lt2" accent1="accent1" accent2="accent2" accent3="accent3" accent4="accent4" accent5="accent5" accent6="accent6" hlink="hlink" folHlink="folHlink"/>
   </p:clrMapOvr>
 </p:sld>
 </file>

--- a/CS 211 Presentation.pptx
+++ b/CS 211 Presentation.pptx
@@ -5,20 +5,19 @@
     <p:sldMasterId id="2147483648" r:id="rId1"/>
   </p:sldMasterIdLst>
   <p:notesMasterIdLst>
-    <p:notesMasterId r:id="rId13"/>
+    <p:notesMasterId r:id="rId12"/>
   </p:notesMasterIdLst>
   <p:sldIdLst>
     <p:sldId id="257" r:id="rId2"/>
-    <p:sldId id="259" r:id="rId3"/>
-    <p:sldId id="269" r:id="rId4"/>
-    <p:sldId id="268" r:id="rId5"/>
-    <p:sldId id="267" r:id="rId6"/>
-    <p:sldId id="264" r:id="rId7"/>
-    <p:sldId id="260" r:id="rId8"/>
-    <p:sldId id="258" r:id="rId9"/>
-    <p:sldId id="266" r:id="rId10"/>
-    <p:sldId id="261" r:id="rId11"/>
-    <p:sldId id="262" r:id="rId12"/>
+    <p:sldId id="269" r:id="rId3"/>
+    <p:sldId id="268" r:id="rId4"/>
+    <p:sldId id="267" r:id="rId5"/>
+    <p:sldId id="264" r:id="rId6"/>
+    <p:sldId id="260" r:id="rId7"/>
+    <p:sldId id="258" r:id="rId8"/>
+    <p:sldId id="266" r:id="rId9"/>
+    <p:sldId id="261" r:id="rId10"/>
+    <p:sldId id="262" r:id="rId11"/>
   </p:sldIdLst>
   <p:sldSz cx="12192000" cy="6858000"/>
   <p:notesSz cx="6858000" cy="9144000"/>
@@ -542,7 +541,7 @@
           <a:p>
             <a:fld id="{B32E4B27-1B2D-4695-9515-446EF2BD45C3}" type="slidenum">
               <a:rPr lang="en-US" smtClean="0"/>
-              <a:t>2</a:t>
+              <a:t>5</a:t>
             </a:fld>
             <a:endParaRPr lang="en-US"/>
           </a:p>
@@ -551,7 +550,7 @@
     </p:spTree>
     <p:extLst>
       <p:ext uri="{BB962C8B-B14F-4D97-AF65-F5344CB8AC3E}">
-        <p14:creationId xmlns:p14="http://schemas.microsoft.com/office/powerpoint/2010/main" val="2979088695"/>
+        <p14:creationId xmlns:p14="http://schemas.microsoft.com/office/powerpoint/2010/main" val="1680742572"/>
       </p:ext>
     </p:extLst>
   </p:cSld>
@@ -607,7 +606,7 @@
           <a:p>
             <a:r>
               <a:rPr lang="en-US" dirty="0"/>
-              <a:t>Adam</a:t>
+              <a:t>Zain</a:t>
             </a:r>
           </a:p>
         </p:txBody>
@@ -638,7 +637,7 @@
     </p:spTree>
     <p:extLst>
       <p:ext uri="{BB962C8B-B14F-4D97-AF65-F5344CB8AC3E}">
-        <p14:creationId xmlns:p14="http://schemas.microsoft.com/office/powerpoint/2010/main" val="1680742572"/>
+        <p14:creationId xmlns:p14="http://schemas.microsoft.com/office/powerpoint/2010/main" val="3042534922"/>
       </p:ext>
     </p:extLst>
   </p:cSld>
@@ -694,7 +693,7 @@
           <a:p>
             <a:r>
               <a:rPr lang="en-US" dirty="0"/>
-              <a:t>Zain</a:t>
+              <a:t>Catie</a:t>
             </a:r>
           </a:p>
         </p:txBody>
@@ -725,7 +724,7 @@
     </p:spTree>
     <p:extLst>
       <p:ext uri="{BB962C8B-B14F-4D97-AF65-F5344CB8AC3E}">
-        <p14:creationId xmlns:p14="http://schemas.microsoft.com/office/powerpoint/2010/main" val="3042534922"/>
+        <p14:creationId xmlns:p14="http://schemas.microsoft.com/office/powerpoint/2010/main" val="4256715026"/>
       </p:ext>
     </p:extLst>
   </p:cSld>
@@ -812,7 +811,7 @@
     </p:spTree>
     <p:extLst>
       <p:ext uri="{BB962C8B-B14F-4D97-AF65-F5344CB8AC3E}">
-        <p14:creationId xmlns:p14="http://schemas.microsoft.com/office/powerpoint/2010/main" val="4256715026"/>
+        <p14:creationId xmlns:p14="http://schemas.microsoft.com/office/powerpoint/2010/main" val="2710549475"/>
       </p:ext>
     </p:extLst>
   </p:cSld>
@@ -868,7 +867,7 @@
           <a:p>
             <a:r>
               <a:rPr lang="en-US" dirty="0"/>
-              <a:t>Catie</a:t>
+              <a:t>Willie</a:t>
             </a:r>
           </a:p>
         </p:txBody>
@@ -891,93 +890,6 @@
             <a:fld id="{B32E4B27-1B2D-4695-9515-446EF2BD45C3}" type="slidenum">
               <a:rPr lang="en-US" smtClean="0"/>
               <a:t>9</a:t>
-            </a:fld>
-            <a:endParaRPr lang="en-US"/>
-          </a:p>
-        </p:txBody>
-      </p:sp>
-    </p:spTree>
-    <p:extLst>
-      <p:ext uri="{BB962C8B-B14F-4D97-AF65-F5344CB8AC3E}">
-        <p14:creationId xmlns:p14="http://schemas.microsoft.com/office/powerpoint/2010/main" val="2710549475"/>
-      </p:ext>
-    </p:extLst>
-  </p:cSld>
-  <p:clrMapOvr>
-    <a:masterClrMapping/>
-  </p:clrMapOvr>
-</p:notes>
-</file>
-
-<file path=ppt/notesSlides/notesSlide6.xml><?xml version="1.0" encoding="utf-8"?>
-<p:notes xmlns:a="http://schemas.openxmlformats.org/drawingml/2006/main" xmlns:r="http://schemas.openxmlformats.org/officeDocument/2006/relationships" xmlns:p="http://schemas.openxmlformats.org/presentationml/2006/main">
-  <p:cSld>
-    <p:spTree>
-      <p:nvGrpSpPr>
-        <p:cNvPr id="1" name=""/>
-        <p:cNvGrpSpPr/>
-        <p:nvPr/>
-      </p:nvGrpSpPr>
-      <p:grpSpPr>
-        <a:xfrm>
-          <a:off x="0" y="0"/>
-          <a:ext cx="0" cy="0"/>
-          <a:chOff x="0" y="0"/>
-          <a:chExt cx="0" cy="0"/>
-        </a:xfrm>
-      </p:grpSpPr>
-      <p:sp>
-        <p:nvSpPr>
-          <p:cNvPr id="2" name="Slide Image Placeholder 1"/>
-          <p:cNvSpPr>
-            <a:spLocks noGrp="1" noRot="1" noChangeAspect="1"/>
-          </p:cNvSpPr>
-          <p:nvPr>
-            <p:ph type="sldImg"/>
-          </p:nvPr>
-        </p:nvSpPr>
-        <p:spPr/>
-      </p:sp>
-      <p:sp>
-        <p:nvSpPr>
-          <p:cNvPr id="3" name="Notes Placeholder 2"/>
-          <p:cNvSpPr>
-            <a:spLocks noGrp="1"/>
-          </p:cNvSpPr>
-          <p:nvPr>
-            <p:ph type="body" idx="1"/>
-          </p:nvPr>
-        </p:nvSpPr>
-        <p:spPr/>
-        <p:txBody>
-          <a:bodyPr/>
-          <a:lstStyle/>
-          <a:p>
-            <a:r>
-              <a:rPr lang="en-US" dirty="0"/>
-              <a:t>Willie</a:t>
-            </a:r>
-          </a:p>
-        </p:txBody>
-      </p:sp>
-      <p:sp>
-        <p:nvSpPr>
-          <p:cNvPr id="4" name="Slide Number Placeholder 3"/>
-          <p:cNvSpPr>
-            <a:spLocks noGrp="1"/>
-          </p:cNvSpPr>
-          <p:nvPr>
-            <p:ph type="sldNum" sz="quarter" idx="5"/>
-          </p:nvPr>
-        </p:nvSpPr>
-        <p:spPr/>
-        <p:txBody>
-          <a:bodyPr/>
-          <a:lstStyle/>
-          <a:p>
-            <a:fld id="{B32E4B27-1B2D-4695-9515-446EF2BD45C3}" type="slidenum">
-              <a:rPr lang="en-US" smtClean="0"/>
-              <a:t>10</a:t>
             </a:fld>
             <a:endParaRPr lang="en-US"/>
           </a:p>
@@ -4293,194 +4205,6 @@
 <file path=ppt/slides/slide10.xml><?xml version="1.0" encoding="utf-8"?>
 <p:sld xmlns:a="http://schemas.openxmlformats.org/drawingml/2006/main" xmlns:r="http://schemas.openxmlformats.org/officeDocument/2006/relationships" xmlns:p="http://schemas.openxmlformats.org/presentationml/2006/main">
   <p:cSld>
-    <p:spTree>
-      <p:nvGrpSpPr>
-        <p:cNvPr id="1" name=""/>
-        <p:cNvGrpSpPr/>
-        <p:nvPr/>
-      </p:nvGrpSpPr>
-      <p:grpSpPr>
-        <a:xfrm>
-          <a:off x="0" y="0"/>
-          <a:ext cx="0" cy="0"/>
-          <a:chOff x="0" y="0"/>
-          <a:chExt cx="0" cy="0"/>
-        </a:xfrm>
-      </p:grpSpPr>
-      <p:pic>
-        <p:nvPicPr>
-          <p:cNvPr id="4" name="Picture 3" descr="A close up of a map&#10;&#10;Description automatically generated">
-            <a:extLst>
-              <a:ext uri="{FF2B5EF4-FFF2-40B4-BE49-F238E27FC236}">
-                <a16:creationId xmlns:a16="http://schemas.microsoft.com/office/drawing/2014/main" id="{279F7A8D-BBAC-4947-8F8D-D337BF434C57}"/>
-              </a:ext>
-            </a:extLst>
-          </p:cNvPr>
-          <p:cNvPicPr>
-            <a:picLocks noChangeAspect="1"/>
-          </p:cNvPicPr>
-          <p:nvPr/>
-        </p:nvPicPr>
-        <p:blipFill>
-          <a:blip r:embed="rId3">
-            <a:alphaModFix amt="20000"/>
-            <a:extLst>
-              <a:ext uri="{28A0092B-C50C-407E-A947-70E740481C1C}">
-                <a14:useLocalDpi xmlns:a14="http://schemas.microsoft.com/office/drawing/2010/main" val="0"/>
-              </a:ext>
-            </a:extLst>
-          </a:blip>
-          <a:stretch>
-            <a:fillRect/>
-          </a:stretch>
-        </p:blipFill>
-        <p:spPr>
-          <a:xfrm>
-            <a:off x="0" y="0"/>
-            <a:ext cx="12192000" cy="6858000"/>
-          </a:xfrm>
-          <a:prstGeom prst="rect">
-            <a:avLst/>
-          </a:prstGeom>
-        </p:spPr>
-      </p:pic>
-      <p:sp>
-        <p:nvSpPr>
-          <p:cNvPr id="2" name="Title 1">
-            <a:extLst>
-              <a:ext uri="{FF2B5EF4-FFF2-40B4-BE49-F238E27FC236}">
-                <a16:creationId xmlns:a16="http://schemas.microsoft.com/office/drawing/2014/main" id="{1D04D96A-CEA8-4589-8AF8-5A0F0815C662}"/>
-              </a:ext>
-            </a:extLst>
-          </p:cNvPr>
-          <p:cNvSpPr>
-            <a:spLocks noGrp="1"/>
-          </p:cNvSpPr>
-          <p:nvPr>
-            <p:ph type="title"/>
-          </p:nvPr>
-        </p:nvSpPr>
-        <p:spPr/>
-        <p:txBody>
-          <a:bodyPr/>
-          <a:lstStyle/>
-          <a:p>
-            <a:r>
-              <a:rPr lang="en-US" dirty="0"/>
-              <a:t>User Interface</a:t>
-            </a:r>
-          </a:p>
-        </p:txBody>
-      </p:sp>
-      <p:sp>
-        <p:nvSpPr>
-          <p:cNvPr id="3" name="Content Placeholder 2">
-            <a:extLst>
-              <a:ext uri="{FF2B5EF4-FFF2-40B4-BE49-F238E27FC236}">
-                <a16:creationId xmlns:a16="http://schemas.microsoft.com/office/drawing/2014/main" id="{5B380648-E9F6-49D2-A3E1-91F8EBE2D348}"/>
-              </a:ext>
-            </a:extLst>
-          </p:cNvPr>
-          <p:cNvSpPr>
-            <a:spLocks noGrp="1"/>
-          </p:cNvSpPr>
-          <p:nvPr>
-            <p:ph idx="1"/>
-          </p:nvPr>
-        </p:nvSpPr>
-        <p:spPr/>
-        <p:txBody>
-          <a:bodyPr/>
-          <a:lstStyle/>
-          <a:p>
-            <a:r>
-              <a:rPr lang="en-US" dirty="0"/>
-              <a:t>Uses Basic User Interface made with </a:t>
-            </a:r>
-            <a:r>
-              <a:rPr lang="en-US" dirty="0" err="1"/>
-              <a:t>Jframe</a:t>
-            </a:r>
-            <a:endParaRPr lang="en-US" dirty="0"/>
-          </a:p>
-          <a:p>
-            <a:r>
-              <a:rPr lang="en-US" dirty="0"/>
-              <a:t>Features</a:t>
-            </a:r>
-          </a:p>
-          <a:p>
-            <a:pPr lvl="1"/>
-            <a:r>
-              <a:rPr lang="en-US" dirty="0"/>
-              <a:t>Input</a:t>
-            </a:r>
-          </a:p>
-          <a:p>
-            <a:pPr lvl="2"/>
-            <a:r>
-              <a:rPr lang="en-US" dirty="0" err="1"/>
-              <a:t>JButton</a:t>
-            </a:r>
-            <a:endParaRPr lang="en-US" dirty="0"/>
-          </a:p>
-          <a:p>
-            <a:pPr lvl="2"/>
-            <a:r>
-              <a:rPr lang="en-US" dirty="0" err="1"/>
-              <a:t>JTextField</a:t>
-            </a:r>
-            <a:endParaRPr lang="en-US" dirty="0"/>
-          </a:p>
-          <a:p>
-            <a:pPr lvl="1"/>
-            <a:r>
-              <a:rPr lang="en-US" dirty="0"/>
-              <a:t>Output</a:t>
-            </a:r>
-          </a:p>
-          <a:p>
-            <a:pPr lvl="2"/>
-            <a:r>
-              <a:rPr lang="en-US" dirty="0" err="1"/>
-              <a:t>JText</a:t>
-            </a:r>
-            <a:endParaRPr lang="en-US" dirty="0"/>
-          </a:p>
-          <a:p>
-            <a:pPr lvl="2"/>
-            <a:r>
-              <a:rPr lang="en-US" dirty="0" err="1"/>
-              <a:t>ImageIcon</a:t>
-            </a:r>
-            <a:endParaRPr lang="en-US" dirty="0"/>
-          </a:p>
-          <a:p>
-            <a:pPr lvl="2"/>
-            <a:r>
-              <a:rPr lang="en-US" dirty="0" err="1"/>
-              <a:t>JLabel</a:t>
-            </a:r>
-            <a:endParaRPr lang="en-US" dirty="0"/>
-          </a:p>
-        </p:txBody>
-      </p:sp>
-    </p:spTree>
-    <p:extLst>
-      <p:ext uri="{BB962C8B-B14F-4D97-AF65-F5344CB8AC3E}">
-        <p14:creationId xmlns:p14="http://schemas.microsoft.com/office/powerpoint/2010/main" val="1492271734"/>
-      </p:ext>
-    </p:extLst>
-  </p:cSld>
-  <p:clrMapOvr>
-    <a:masterClrMapping/>
-  </p:clrMapOvr>
-</p:sld>
-</file>
-
-<file path=ppt/slides/slide11.xml><?xml version="1.0" encoding="utf-8"?>
-<p:sld xmlns:a="http://schemas.openxmlformats.org/drawingml/2006/main" xmlns:r="http://schemas.openxmlformats.org/officeDocument/2006/relationships" xmlns:p="http://schemas.openxmlformats.org/presentationml/2006/main">
-  <p:cSld>
     <p:bg>
       <p:bgPr>
         <a:solidFill>
@@ -4682,7 +4406,7 @@
           <p:cNvPr id="4" name="Picture 3" descr="A close up of a map&#10;&#10;Description automatically generated">
             <a:extLst>
               <a:ext uri="{FF2B5EF4-FFF2-40B4-BE49-F238E27FC236}">
-                <a16:creationId xmlns:a16="http://schemas.microsoft.com/office/drawing/2014/main" id="{7C49253B-3CCB-463B-92D9-433A8A2E750D}"/>
+                <a16:creationId xmlns:a16="http://schemas.microsoft.com/office/drawing/2014/main" id="{1E90EC05-A4E2-440D-8946-64BB4B9D6B3E}"/>
               </a:ext>
             </a:extLst>
           </p:cNvPr>
@@ -4692,7 +4416,7 @@
           <p:nvPr/>
         </p:nvPicPr>
         <p:blipFill>
-          <a:blip r:embed="rId3">
+          <a:blip r:embed="rId2">
             <a:alphaModFix amt="20000"/>
             <a:extLst>
               <a:ext uri="{28A0092B-C50C-407E-A947-70E740481C1C}">
@@ -4719,166 +4443,6 @@
           <p:cNvPr id="2" name="Title 1">
             <a:extLst>
               <a:ext uri="{FF2B5EF4-FFF2-40B4-BE49-F238E27FC236}">
-                <a16:creationId xmlns:a16="http://schemas.microsoft.com/office/drawing/2014/main" id="{C80AF392-CBD3-46BA-A24F-58BEC7E6BB61}"/>
-              </a:ext>
-            </a:extLst>
-          </p:cNvPr>
-          <p:cNvSpPr>
-            <a:spLocks noGrp="1"/>
-          </p:cNvSpPr>
-          <p:nvPr>
-            <p:ph type="title"/>
-          </p:nvPr>
-        </p:nvSpPr>
-        <p:spPr/>
-        <p:txBody>
-          <a:bodyPr/>
-          <a:lstStyle/>
-          <a:p>
-            <a:r>
-              <a:rPr lang="en-US" dirty="0"/>
-              <a:t>Google Maps APIs – What data did we use?</a:t>
-            </a:r>
-          </a:p>
-        </p:txBody>
-      </p:sp>
-      <p:sp>
-        <p:nvSpPr>
-          <p:cNvPr id="3" name="Content Placeholder 2">
-            <a:extLst>
-              <a:ext uri="{FF2B5EF4-FFF2-40B4-BE49-F238E27FC236}">
-                <a16:creationId xmlns:a16="http://schemas.microsoft.com/office/drawing/2014/main" id="{B1CE368B-39DB-479A-8953-4CB5A8187636}"/>
-              </a:ext>
-            </a:extLst>
-          </p:cNvPr>
-          <p:cNvSpPr>
-            <a:spLocks noGrp="1"/>
-          </p:cNvSpPr>
-          <p:nvPr>
-            <p:ph idx="1"/>
-          </p:nvPr>
-        </p:nvSpPr>
-        <p:spPr/>
-        <p:txBody>
-          <a:bodyPr/>
-          <a:lstStyle/>
-          <a:p>
-            <a:r>
-              <a:rPr lang="en-US" dirty="0"/>
-              <a:t>Navigation steps</a:t>
-            </a:r>
-          </a:p>
-          <a:p>
-            <a:pPr lvl="1"/>
-            <a:r>
-              <a:rPr lang="en-US" dirty="0"/>
-              <a:t>Start coordinate</a:t>
-            </a:r>
-          </a:p>
-          <a:p>
-            <a:pPr lvl="1"/>
-            <a:r>
-              <a:rPr lang="en-US" dirty="0"/>
-              <a:t>End coordinate</a:t>
-            </a:r>
-          </a:p>
-          <a:p>
-            <a:pPr lvl="1"/>
-            <a:r>
-              <a:rPr lang="en-US" dirty="0"/>
-              <a:t>Distance</a:t>
-            </a:r>
-          </a:p>
-          <a:p>
-            <a:pPr lvl="1"/>
-            <a:r>
-              <a:rPr lang="en-US" dirty="0"/>
-              <a:t>Duration</a:t>
-            </a:r>
-          </a:p>
-          <a:p>
-            <a:r>
-              <a:rPr lang="en-US" dirty="0"/>
-              <a:t>Possible meeting places </a:t>
-            </a:r>
-          </a:p>
-          <a:p>
-            <a:endParaRPr lang="en-US" dirty="0"/>
-          </a:p>
-        </p:txBody>
-      </p:sp>
-    </p:spTree>
-    <p:extLst>
-      <p:ext uri="{BB962C8B-B14F-4D97-AF65-F5344CB8AC3E}">
-        <p14:creationId xmlns:p14="http://schemas.microsoft.com/office/powerpoint/2010/main" val="1910893489"/>
-      </p:ext>
-    </p:extLst>
-  </p:cSld>
-  <p:clrMapOvr>
-    <a:masterClrMapping/>
-  </p:clrMapOvr>
-</p:sld>
-</file>
-
-<file path=ppt/slides/slide3.xml><?xml version="1.0" encoding="utf-8"?>
-<p:sld xmlns:a="http://schemas.openxmlformats.org/drawingml/2006/main" xmlns:r="http://schemas.openxmlformats.org/officeDocument/2006/relationships" xmlns:p="http://schemas.openxmlformats.org/presentationml/2006/main">
-  <p:cSld>
-    <p:spTree>
-      <p:nvGrpSpPr>
-        <p:cNvPr id="1" name=""/>
-        <p:cNvGrpSpPr/>
-        <p:nvPr/>
-      </p:nvGrpSpPr>
-      <p:grpSpPr>
-        <a:xfrm>
-          <a:off x="0" y="0"/>
-          <a:ext cx="0" cy="0"/>
-          <a:chOff x="0" y="0"/>
-          <a:chExt cx="0" cy="0"/>
-        </a:xfrm>
-      </p:grpSpPr>
-      <p:pic>
-        <p:nvPicPr>
-          <p:cNvPr id="4" name="Picture 3" descr="A close up of a map&#10;&#10;Description automatically generated">
-            <a:extLst>
-              <a:ext uri="{FF2B5EF4-FFF2-40B4-BE49-F238E27FC236}">
-                <a16:creationId xmlns:a16="http://schemas.microsoft.com/office/drawing/2014/main" id="{1E90EC05-A4E2-440D-8946-64BB4B9D6B3E}"/>
-              </a:ext>
-            </a:extLst>
-          </p:cNvPr>
-          <p:cNvPicPr>
-            <a:picLocks noChangeAspect="1"/>
-          </p:cNvPicPr>
-          <p:nvPr/>
-        </p:nvPicPr>
-        <p:blipFill>
-          <a:blip r:embed="rId2">
-            <a:alphaModFix amt="20000"/>
-            <a:extLst>
-              <a:ext uri="{28A0092B-C50C-407E-A947-70E740481C1C}">
-                <a14:useLocalDpi xmlns:a14="http://schemas.microsoft.com/office/drawing/2010/main" val="0"/>
-              </a:ext>
-            </a:extLst>
-          </a:blip>
-          <a:stretch>
-            <a:fillRect/>
-          </a:stretch>
-        </p:blipFill>
-        <p:spPr>
-          <a:xfrm>
-            <a:off x="0" y="0"/>
-            <a:ext cx="12192000" cy="6858000"/>
-          </a:xfrm>
-          <a:prstGeom prst="rect">
-            <a:avLst/>
-          </a:prstGeom>
-        </p:spPr>
-      </p:pic>
-      <p:sp>
-        <p:nvSpPr>
-          <p:cNvPr id="2" name="Title 1">
-            <a:extLst>
-              <a:ext uri="{FF2B5EF4-FFF2-40B4-BE49-F238E27FC236}">
                 <a16:creationId xmlns:a16="http://schemas.microsoft.com/office/drawing/2014/main" id="{162C51A6-AED2-4ADC-9A0A-3F11327FA5D0}"/>
               </a:ext>
             </a:extLst>
@@ -5062,7 +4626,7 @@
 </p:sld>
 </file>
 
-<file path=ppt/slides/slide4.xml><?xml version="1.0" encoding="utf-8"?>
+<file path=ppt/slides/slide3.xml><?xml version="1.0" encoding="utf-8"?>
 <p:sld xmlns:a="http://schemas.openxmlformats.org/drawingml/2006/main" xmlns:r="http://schemas.openxmlformats.org/officeDocument/2006/relationships" xmlns:p="http://schemas.openxmlformats.org/presentationml/2006/main">
   <p:cSld>
     <p:bg>
@@ -5221,6 +4785,180 @@
 </p:sld>
 </file>
 
+<file path=ppt/slides/slide4.xml><?xml version="1.0" encoding="utf-8"?>
+<p:sld xmlns:a="http://schemas.openxmlformats.org/drawingml/2006/main" xmlns:r="http://schemas.openxmlformats.org/officeDocument/2006/relationships" xmlns:p="http://schemas.openxmlformats.org/presentationml/2006/main">
+  <p:cSld>
+    <p:spTree>
+      <p:nvGrpSpPr>
+        <p:cNvPr id="1" name=""/>
+        <p:cNvGrpSpPr/>
+        <p:nvPr/>
+      </p:nvGrpSpPr>
+      <p:grpSpPr>
+        <a:xfrm>
+          <a:off x="0" y="0"/>
+          <a:ext cx="0" cy="0"/>
+          <a:chOff x="0" y="0"/>
+          <a:chExt cx="0" cy="0"/>
+        </a:xfrm>
+      </p:grpSpPr>
+      <p:pic>
+        <p:nvPicPr>
+          <p:cNvPr id="4" name="Picture 3" descr="A close up of a map&#10;&#10;Description automatically generated">
+            <a:extLst>
+              <a:ext uri="{FF2B5EF4-FFF2-40B4-BE49-F238E27FC236}">
+                <a16:creationId xmlns:a16="http://schemas.microsoft.com/office/drawing/2014/main" id="{999BFA56-2C26-4529-9144-67D2D66D8F21}"/>
+              </a:ext>
+            </a:extLst>
+          </p:cNvPr>
+          <p:cNvPicPr>
+            <a:picLocks noChangeAspect="1"/>
+          </p:cNvPicPr>
+          <p:nvPr/>
+        </p:nvPicPr>
+        <p:blipFill>
+          <a:blip r:embed="rId2">
+            <a:alphaModFix amt="20000"/>
+            <a:extLst>
+              <a:ext uri="{28A0092B-C50C-407E-A947-70E740481C1C}">
+                <a14:useLocalDpi xmlns:a14="http://schemas.microsoft.com/office/drawing/2010/main" val="0"/>
+              </a:ext>
+            </a:extLst>
+          </a:blip>
+          <a:stretch>
+            <a:fillRect/>
+          </a:stretch>
+        </p:blipFill>
+        <p:spPr>
+          <a:xfrm>
+            <a:off x="0" y="0"/>
+            <a:ext cx="12192000" cy="6858000"/>
+          </a:xfrm>
+          <a:prstGeom prst="rect">
+            <a:avLst/>
+          </a:prstGeom>
+        </p:spPr>
+      </p:pic>
+      <p:sp>
+        <p:nvSpPr>
+          <p:cNvPr id="2" name="Title 1">
+            <a:extLst>
+              <a:ext uri="{FF2B5EF4-FFF2-40B4-BE49-F238E27FC236}">
+                <a16:creationId xmlns:a16="http://schemas.microsoft.com/office/drawing/2014/main" id="{2D70BCCC-1B9D-414C-8FEC-CFC1DEC570C0}"/>
+              </a:ext>
+            </a:extLst>
+          </p:cNvPr>
+          <p:cNvSpPr>
+            <a:spLocks noGrp="1"/>
+          </p:cNvSpPr>
+          <p:nvPr>
+            <p:ph type="title"/>
+          </p:nvPr>
+        </p:nvSpPr>
+        <p:spPr/>
+        <p:txBody>
+          <a:bodyPr/>
+          <a:lstStyle/>
+          <a:p>
+            <a:r>
+              <a:rPr lang="en-US" dirty="0"/>
+              <a:t>Parsing the Data</a:t>
+            </a:r>
+          </a:p>
+        </p:txBody>
+      </p:sp>
+      <p:sp>
+        <p:nvSpPr>
+          <p:cNvPr id="3" name="Content Placeholder 2">
+            <a:extLst>
+              <a:ext uri="{FF2B5EF4-FFF2-40B4-BE49-F238E27FC236}">
+                <a16:creationId xmlns:a16="http://schemas.microsoft.com/office/drawing/2014/main" id="{8440A04D-5C82-488C-B294-BAFF1D90CF39}"/>
+              </a:ext>
+            </a:extLst>
+          </p:cNvPr>
+          <p:cNvSpPr>
+            <a:spLocks noGrp="1"/>
+          </p:cNvSpPr>
+          <p:nvPr>
+            <p:ph idx="1"/>
+          </p:nvPr>
+        </p:nvSpPr>
+        <p:spPr/>
+        <p:txBody>
+          <a:bodyPr/>
+          <a:lstStyle/>
+          <a:p>
+            <a:r>
+              <a:rPr lang="en-US" dirty="0"/>
+              <a:t>JavaScript Object Notation</a:t>
+            </a:r>
+          </a:p>
+          <a:p>
+            <a:pPr lvl="1"/>
+            <a:r>
+              <a:rPr lang="en-US" dirty="0"/>
+              <a:t>Attribute-value pairs</a:t>
+            </a:r>
+          </a:p>
+          <a:p>
+            <a:pPr lvl="1"/>
+            <a:r>
+              <a:rPr lang="en-US" dirty="0"/>
+              <a:t>Array data types</a:t>
+            </a:r>
+          </a:p>
+          <a:p>
+            <a:r>
+              <a:rPr lang="en-US" dirty="0" err="1"/>
+              <a:t>String.split</a:t>
+            </a:r>
+            <a:r>
+              <a:rPr lang="en-US" dirty="0"/>
+              <a:t>() method</a:t>
+            </a:r>
+          </a:p>
+          <a:p>
+            <a:r>
+              <a:rPr lang="en-US" dirty="0" err="1"/>
+              <a:t>String.contains</a:t>
+            </a:r>
+            <a:r>
+              <a:rPr lang="en-US" dirty="0"/>
+              <a:t>() method</a:t>
+            </a:r>
+          </a:p>
+          <a:p>
+            <a:r>
+              <a:rPr lang="en-US" dirty="0"/>
+              <a:t>Some data had to be converted</a:t>
+            </a:r>
+          </a:p>
+          <a:p>
+            <a:pPr lvl="1"/>
+            <a:r>
+              <a:rPr lang="en-US" dirty="0" err="1"/>
+              <a:t>String.valueOf</a:t>
+            </a:r>
+            <a:r>
+              <a:rPr lang="en-US" dirty="0"/>
+              <a:t>()</a:t>
+            </a:r>
+          </a:p>
+        </p:txBody>
+      </p:sp>
+    </p:spTree>
+    <p:extLst>
+      <p:ext uri="{BB962C8B-B14F-4D97-AF65-F5344CB8AC3E}">
+        <p14:creationId xmlns:p14="http://schemas.microsoft.com/office/powerpoint/2010/main" val="967756725"/>
+      </p:ext>
+    </p:extLst>
+  </p:cSld>
+  <p:clrMapOvr>
+    <a:masterClrMapping/>
+  </p:clrMapOvr>
+</p:sld>
+</file>
+
 <file path=ppt/slides/slide5.xml><?xml version="1.0" encoding="utf-8"?>
 <p:sld xmlns:a="http://schemas.openxmlformats.org/drawingml/2006/main" xmlns:r="http://schemas.openxmlformats.org/officeDocument/2006/relationships" xmlns:p="http://schemas.openxmlformats.org/presentationml/2006/main">
   <p:cSld>
@@ -5243,7 +4981,7 @@
           <p:cNvPr id="4" name="Picture 3" descr="A close up of a map&#10;&#10;Description automatically generated">
             <a:extLst>
               <a:ext uri="{FF2B5EF4-FFF2-40B4-BE49-F238E27FC236}">
-                <a16:creationId xmlns:a16="http://schemas.microsoft.com/office/drawing/2014/main" id="{999BFA56-2C26-4529-9144-67D2D66D8F21}"/>
+                <a16:creationId xmlns:a16="http://schemas.microsoft.com/office/drawing/2014/main" id="{7C49253B-3CCB-463B-92D9-433A8A2E750D}"/>
               </a:ext>
             </a:extLst>
           </p:cNvPr>
@@ -5253,7 +4991,7 @@
           <p:nvPr/>
         </p:nvPicPr>
         <p:blipFill>
-          <a:blip r:embed="rId2">
+          <a:blip r:embed="rId3">
             <a:alphaModFix amt="20000"/>
             <a:extLst>
               <a:ext uri="{28A0092B-C50C-407E-A947-70E740481C1C}">
@@ -5280,7 +5018,7 @@
           <p:cNvPr id="2" name="Title 1">
             <a:extLst>
               <a:ext uri="{FF2B5EF4-FFF2-40B4-BE49-F238E27FC236}">
-                <a16:creationId xmlns:a16="http://schemas.microsoft.com/office/drawing/2014/main" id="{2D70BCCC-1B9D-414C-8FEC-CFC1DEC570C0}"/>
+                <a16:creationId xmlns:a16="http://schemas.microsoft.com/office/drawing/2014/main" id="{C80AF392-CBD3-46BA-A24F-58BEC7E6BB61}"/>
               </a:ext>
             </a:extLst>
           </p:cNvPr>
@@ -5298,7 +5036,7 @@
           <a:p>
             <a:r>
               <a:rPr lang="en-US" dirty="0"/>
-              <a:t>Parsing the Data</a:t>
+              <a:t>Data Classes and Inheritance</a:t>
             </a:r>
           </a:p>
         </p:txBody>
@@ -5308,7 +5046,7 @@
           <p:cNvPr id="3" name="Content Placeholder 2">
             <a:extLst>
               <a:ext uri="{FF2B5EF4-FFF2-40B4-BE49-F238E27FC236}">
-                <a16:creationId xmlns:a16="http://schemas.microsoft.com/office/drawing/2014/main" id="{8440A04D-5C82-488C-B294-BAFF1D90CF39}"/>
+                <a16:creationId xmlns:a16="http://schemas.microsoft.com/office/drawing/2014/main" id="{B1CE368B-39DB-479A-8953-4CB5A8187636}"/>
               </a:ext>
             </a:extLst>
           </p:cNvPr>
@@ -5321,64 +5059,123 @@
         </p:nvSpPr>
         <p:spPr/>
         <p:txBody>
-          <a:bodyPr/>
+          <a:bodyPr>
+            <a:normAutofit fontScale="92500" lnSpcReduction="10000"/>
+          </a:bodyPr>
           <a:lstStyle/>
           <a:p>
             <a:r>
               <a:rPr lang="en-US" dirty="0"/>
-              <a:t>JavaScript Object Notation</a:t>
+              <a:t>Location</a:t>
             </a:r>
           </a:p>
           <a:p>
             <a:pPr lvl="1"/>
             <a:r>
               <a:rPr lang="en-US" dirty="0"/>
-              <a:t>Attribute-value pairs</a:t>
+              <a:t>Stores latitude and longitude</a:t>
+            </a:r>
+          </a:p>
+          <a:p>
+            <a:r>
+              <a:rPr lang="en-US" dirty="0"/>
+              <a:t>Step</a:t>
             </a:r>
           </a:p>
           <a:p>
             <a:pPr lvl="1"/>
             <a:r>
               <a:rPr lang="en-US" dirty="0"/>
-              <a:t>Array data types</a:t>
+              <a:t>Stores start location, end location, distance, and duration of each step in the navigation</a:t>
             </a:r>
           </a:p>
           <a:p>
             <a:r>
               <a:rPr lang="en-US" dirty="0" err="1"/>
-              <a:t>String.split</a:t>
+              <a:t>MeetingPlace</a:t>
             </a:r>
             <a:r>
               <a:rPr lang="en-US" dirty="0"/>
-              <a:t>() method</a:t>
-            </a:r>
-          </a:p>
-          <a:p>
+              <a:t> extends Location</a:t>
+            </a:r>
+          </a:p>
+          <a:p>
+            <a:pPr lvl="1"/>
+            <a:r>
+              <a:rPr lang="en-US" dirty="0"/>
+              <a:t>Also stores name, address, </a:t>
+            </a:r>
             <a:r>
               <a:rPr lang="en-US" dirty="0" err="1"/>
-              <a:t>String.contains</a:t>
+              <a:t>placeType</a:t>
             </a:r>
             <a:r>
               <a:rPr lang="en-US" dirty="0"/>
-              <a:t>() method</a:t>
-            </a:r>
+              <a:t>, and </a:t>
+            </a:r>
+            <a:r>
+              <a:rPr lang="en-US" dirty="0" err="1"/>
+              <a:t>starRating</a:t>
+            </a:r>
+            <a:endParaRPr lang="en-US" dirty="0"/>
           </a:p>
           <a:p>
             <a:r>
               <a:rPr lang="en-US" dirty="0"/>
-              <a:t>Some data had to be converted</a:t>
-            </a:r>
+              <a:t>Restaurant extends </a:t>
+            </a:r>
+            <a:r>
+              <a:rPr lang="en-US" dirty="0" err="1"/>
+              <a:t>MeetingPlace</a:t>
+            </a:r>
+            <a:endParaRPr lang="en-US" dirty="0"/>
           </a:p>
           <a:p>
             <a:pPr lvl="1"/>
             <a:r>
+              <a:rPr lang="en-US" dirty="0"/>
+              <a:t>Also stores </a:t>
+            </a:r>
+            <a:r>
               <a:rPr lang="en-US" dirty="0" err="1"/>
-              <a:t>String.valueOf</a:t>
-            </a:r>
-            <a:r>
-              <a:rPr lang="en-US"/>
-              <a:t>()</a:t>
-            </a:r>
+              <a:t>dollarRating</a:t>
+            </a:r>
+            <a:endParaRPr lang="en-US" dirty="0"/>
+          </a:p>
+          <a:p>
+            <a:r>
+              <a:rPr lang="en-US" dirty="0" err="1"/>
+              <a:t>GasStation</a:t>
+            </a:r>
+            <a:r>
+              <a:rPr lang="en-US" dirty="0"/>
+              <a:t> extends </a:t>
+            </a:r>
+            <a:r>
+              <a:rPr lang="en-US" dirty="0" err="1"/>
+              <a:t>MeetingPlace</a:t>
+            </a:r>
+            <a:endParaRPr lang="en-US" dirty="0"/>
+          </a:p>
+          <a:p>
+            <a:pPr lvl="1"/>
+            <a:r>
+              <a:rPr lang="en-US" dirty="0"/>
+              <a:t>Also stores </a:t>
+            </a:r>
+            <a:r>
+              <a:rPr lang="en-US" dirty="0" err="1"/>
+              <a:t>gasPrice</a:t>
+            </a:r>
+            <a:endParaRPr lang="en-US" dirty="0"/>
+          </a:p>
+          <a:p>
+            <a:pPr marL="457200" lvl="1" indent="0">
+              <a:buNone/>
+            </a:pPr>
+            <a:endParaRPr lang="en-US" dirty="0"/>
+          </a:p>
+          <a:p>
             <a:endParaRPr lang="en-US" dirty="0"/>
           </a:p>
         </p:txBody>
@@ -5386,7 +5183,7 @@
     </p:spTree>
     <p:extLst>
       <p:ext uri="{BB962C8B-B14F-4D97-AF65-F5344CB8AC3E}">
-        <p14:creationId xmlns:p14="http://schemas.microsoft.com/office/powerpoint/2010/main" val="967756725"/>
+        <p14:creationId xmlns:p14="http://schemas.microsoft.com/office/powerpoint/2010/main" val="3650152531"/>
       </p:ext>
     </p:extLst>
   </p:cSld>
@@ -5418,7 +5215,7 @@
           <p:cNvPr id="4" name="Picture 3" descr="A close up of a map&#10;&#10;Description automatically generated">
             <a:extLst>
               <a:ext uri="{FF2B5EF4-FFF2-40B4-BE49-F238E27FC236}">
-                <a16:creationId xmlns:a16="http://schemas.microsoft.com/office/drawing/2014/main" id="{7C49253B-3CCB-463B-92D9-433A8A2E750D}"/>
+                <a16:creationId xmlns:a16="http://schemas.microsoft.com/office/drawing/2014/main" id="{AD247274-AE4A-4A64-8E56-D7DD868044B9}"/>
               </a:ext>
             </a:extLst>
           </p:cNvPr>
@@ -5455,240 +5252,6 @@
           <p:cNvPr id="2" name="Title 1">
             <a:extLst>
               <a:ext uri="{FF2B5EF4-FFF2-40B4-BE49-F238E27FC236}">
-                <a16:creationId xmlns:a16="http://schemas.microsoft.com/office/drawing/2014/main" id="{C80AF392-CBD3-46BA-A24F-58BEC7E6BB61}"/>
-              </a:ext>
-            </a:extLst>
-          </p:cNvPr>
-          <p:cNvSpPr>
-            <a:spLocks noGrp="1"/>
-          </p:cNvSpPr>
-          <p:nvPr>
-            <p:ph type="title"/>
-          </p:nvPr>
-        </p:nvSpPr>
-        <p:spPr/>
-        <p:txBody>
-          <a:bodyPr/>
-          <a:lstStyle/>
-          <a:p>
-            <a:r>
-              <a:rPr lang="en-US" dirty="0"/>
-              <a:t>Data Classes and Inheritance</a:t>
-            </a:r>
-          </a:p>
-        </p:txBody>
-      </p:sp>
-      <p:sp>
-        <p:nvSpPr>
-          <p:cNvPr id="3" name="Content Placeholder 2">
-            <a:extLst>
-              <a:ext uri="{FF2B5EF4-FFF2-40B4-BE49-F238E27FC236}">
-                <a16:creationId xmlns:a16="http://schemas.microsoft.com/office/drawing/2014/main" id="{B1CE368B-39DB-479A-8953-4CB5A8187636}"/>
-              </a:ext>
-            </a:extLst>
-          </p:cNvPr>
-          <p:cNvSpPr>
-            <a:spLocks noGrp="1"/>
-          </p:cNvSpPr>
-          <p:nvPr>
-            <p:ph idx="1"/>
-          </p:nvPr>
-        </p:nvSpPr>
-        <p:spPr/>
-        <p:txBody>
-          <a:bodyPr>
-            <a:normAutofit fontScale="92500" lnSpcReduction="10000"/>
-          </a:bodyPr>
-          <a:lstStyle/>
-          <a:p>
-            <a:r>
-              <a:rPr lang="en-US" dirty="0"/>
-              <a:t>Location</a:t>
-            </a:r>
-          </a:p>
-          <a:p>
-            <a:pPr lvl="1"/>
-            <a:r>
-              <a:rPr lang="en-US" dirty="0"/>
-              <a:t>Stores latitude and longitude</a:t>
-            </a:r>
-          </a:p>
-          <a:p>
-            <a:r>
-              <a:rPr lang="en-US" dirty="0"/>
-              <a:t>Step</a:t>
-            </a:r>
-          </a:p>
-          <a:p>
-            <a:pPr lvl="1"/>
-            <a:r>
-              <a:rPr lang="en-US" dirty="0"/>
-              <a:t>Stores start location, end location, distance, and duration of each step in the navigation</a:t>
-            </a:r>
-          </a:p>
-          <a:p>
-            <a:r>
-              <a:rPr lang="en-US" dirty="0" err="1"/>
-              <a:t>MeetingPlace</a:t>
-            </a:r>
-            <a:r>
-              <a:rPr lang="en-US" dirty="0"/>
-              <a:t> extends Location</a:t>
-            </a:r>
-          </a:p>
-          <a:p>
-            <a:pPr lvl="1"/>
-            <a:r>
-              <a:rPr lang="en-US" dirty="0"/>
-              <a:t>Also stores name, address, </a:t>
-            </a:r>
-            <a:r>
-              <a:rPr lang="en-US" dirty="0" err="1"/>
-              <a:t>placeType</a:t>
-            </a:r>
-            <a:r>
-              <a:rPr lang="en-US" dirty="0"/>
-              <a:t>, and </a:t>
-            </a:r>
-            <a:r>
-              <a:rPr lang="en-US" dirty="0" err="1"/>
-              <a:t>starRating</a:t>
-            </a:r>
-            <a:endParaRPr lang="en-US" dirty="0"/>
-          </a:p>
-          <a:p>
-            <a:r>
-              <a:rPr lang="en-US" dirty="0"/>
-              <a:t>Restaurant extends </a:t>
-            </a:r>
-            <a:r>
-              <a:rPr lang="en-US" dirty="0" err="1"/>
-              <a:t>MeetingPlace</a:t>
-            </a:r>
-            <a:endParaRPr lang="en-US" dirty="0"/>
-          </a:p>
-          <a:p>
-            <a:pPr lvl="1"/>
-            <a:r>
-              <a:rPr lang="en-US" dirty="0"/>
-              <a:t>Also stores </a:t>
-            </a:r>
-            <a:r>
-              <a:rPr lang="en-US" dirty="0" err="1"/>
-              <a:t>dollarRating</a:t>
-            </a:r>
-            <a:endParaRPr lang="en-US" dirty="0"/>
-          </a:p>
-          <a:p>
-            <a:r>
-              <a:rPr lang="en-US" dirty="0" err="1"/>
-              <a:t>GasStation</a:t>
-            </a:r>
-            <a:r>
-              <a:rPr lang="en-US" dirty="0"/>
-              <a:t> extends </a:t>
-            </a:r>
-            <a:r>
-              <a:rPr lang="en-US" dirty="0" err="1"/>
-              <a:t>MeetingPlace</a:t>
-            </a:r>
-            <a:endParaRPr lang="en-US" dirty="0"/>
-          </a:p>
-          <a:p>
-            <a:pPr lvl="1"/>
-            <a:r>
-              <a:rPr lang="en-US" dirty="0"/>
-              <a:t>Also stores </a:t>
-            </a:r>
-            <a:r>
-              <a:rPr lang="en-US" dirty="0" err="1"/>
-              <a:t>gasPrice</a:t>
-            </a:r>
-            <a:endParaRPr lang="en-US" dirty="0"/>
-          </a:p>
-          <a:p>
-            <a:pPr marL="457200" lvl="1" indent="0">
-              <a:buNone/>
-            </a:pPr>
-            <a:endParaRPr lang="en-US" dirty="0"/>
-          </a:p>
-          <a:p>
-            <a:endParaRPr lang="en-US" dirty="0"/>
-          </a:p>
-        </p:txBody>
-      </p:sp>
-    </p:spTree>
-    <p:extLst>
-      <p:ext uri="{BB962C8B-B14F-4D97-AF65-F5344CB8AC3E}">
-        <p14:creationId xmlns:p14="http://schemas.microsoft.com/office/powerpoint/2010/main" val="3650152531"/>
-      </p:ext>
-    </p:extLst>
-  </p:cSld>
-  <p:clrMapOvr>
-    <a:masterClrMapping/>
-  </p:clrMapOvr>
-</p:sld>
-</file>
-
-<file path=ppt/slides/slide7.xml><?xml version="1.0" encoding="utf-8"?>
-<p:sld xmlns:a="http://schemas.openxmlformats.org/drawingml/2006/main" xmlns:r="http://schemas.openxmlformats.org/officeDocument/2006/relationships" xmlns:p="http://schemas.openxmlformats.org/presentationml/2006/main">
-  <p:cSld>
-    <p:spTree>
-      <p:nvGrpSpPr>
-        <p:cNvPr id="1" name=""/>
-        <p:cNvGrpSpPr/>
-        <p:nvPr/>
-      </p:nvGrpSpPr>
-      <p:grpSpPr>
-        <a:xfrm>
-          <a:off x="0" y="0"/>
-          <a:ext cx="0" cy="0"/>
-          <a:chOff x="0" y="0"/>
-          <a:chExt cx="0" cy="0"/>
-        </a:xfrm>
-      </p:grpSpPr>
-      <p:pic>
-        <p:nvPicPr>
-          <p:cNvPr id="4" name="Picture 3" descr="A close up of a map&#10;&#10;Description automatically generated">
-            <a:extLst>
-              <a:ext uri="{FF2B5EF4-FFF2-40B4-BE49-F238E27FC236}">
-                <a16:creationId xmlns:a16="http://schemas.microsoft.com/office/drawing/2014/main" id="{AD247274-AE4A-4A64-8E56-D7DD868044B9}"/>
-              </a:ext>
-            </a:extLst>
-          </p:cNvPr>
-          <p:cNvPicPr>
-            <a:picLocks noChangeAspect="1"/>
-          </p:cNvPicPr>
-          <p:nvPr/>
-        </p:nvPicPr>
-        <p:blipFill>
-          <a:blip r:embed="rId3">
-            <a:alphaModFix amt="20000"/>
-            <a:extLst>
-              <a:ext uri="{28A0092B-C50C-407E-A947-70E740481C1C}">
-                <a14:useLocalDpi xmlns:a14="http://schemas.microsoft.com/office/drawing/2010/main" val="0"/>
-              </a:ext>
-            </a:extLst>
-          </a:blip>
-          <a:stretch>
-            <a:fillRect/>
-          </a:stretch>
-        </p:blipFill>
-        <p:spPr>
-          <a:xfrm>
-            <a:off x="0" y="0"/>
-            <a:ext cx="12192000" cy="6858000"/>
-          </a:xfrm>
-          <a:prstGeom prst="rect">
-            <a:avLst/>
-          </a:prstGeom>
-        </p:spPr>
-      </p:pic>
-      <p:sp>
-        <p:nvSpPr>
-          <p:cNvPr id="2" name="Title 1">
-            <a:extLst>
-              <a:ext uri="{FF2B5EF4-FFF2-40B4-BE49-F238E27FC236}">
                 <a16:creationId xmlns:a16="http://schemas.microsoft.com/office/drawing/2014/main" id="{75520DB0-5D0C-48F4-BA9F-DAF8B4ECF1E2}"/>
               </a:ext>
             </a:extLst>
@@ -5830,7 +5393,7 @@
 </p:sld>
 </file>
 
-<file path=ppt/slides/slide8.xml><?xml version="1.0" encoding="utf-8"?>
+<file path=ppt/slides/slide7.xml><?xml version="1.0" encoding="utf-8"?>
 <p:sld xmlns:a="http://schemas.openxmlformats.org/drawingml/2006/main" xmlns:r="http://schemas.openxmlformats.org/officeDocument/2006/relationships" xmlns:p="http://schemas.openxmlformats.org/presentationml/2006/main">
   <p:cSld>
     <p:spTree>
@@ -6008,7 +5571,7 @@
 </p:sld>
 </file>
 
-<file path=ppt/slides/slide9.xml><?xml version="1.0" encoding="utf-8"?>
+<file path=ppt/slides/slide8.xml><?xml version="1.0" encoding="utf-8"?>
 <p:sld xmlns:a="http://schemas.openxmlformats.org/drawingml/2006/main" xmlns:r="http://schemas.openxmlformats.org/officeDocument/2006/relationships" xmlns:p="http://schemas.openxmlformats.org/presentationml/2006/main">
   <p:cSld>
     <p:spTree>
@@ -6226,6 +5789,194 @@
     <p:extLst>
       <p:ext uri="{BB962C8B-B14F-4D97-AF65-F5344CB8AC3E}">
         <p14:creationId xmlns:p14="http://schemas.microsoft.com/office/powerpoint/2010/main" val="350501750"/>
+      </p:ext>
+    </p:extLst>
+  </p:cSld>
+  <p:clrMapOvr>
+    <a:masterClrMapping/>
+  </p:clrMapOvr>
+</p:sld>
+</file>
+
+<file path=ppt/slides/slide9.xml><?xml version="1.0" encoding="utf-8"?>
+<p:sld xmlns:a="http://schemas.openxmlformats.org/drawingml/2006/main" xmlns:r="http://schemas.openxmlformats.org/officeDocument/2006/relationships" xmlns:p="http://schemas.openxmlformats.org/presentationml/2006/main">
+  <p:cSld>
+    <p:spTree>
+      <p:nvGrpSpPr>
+        <p:cNvPr id="1" name=""/>
+        <p:cNvGrpSpPr/>
+        <p:nvPr/>
+      </p:nvGrpSpPr>
+      <p:grpSpPr>
+        <a:xfrm>
+          <a:off x="0" y="0"/>
+          <a:ext cx="0" cy="0"/>
+          <a:chOff x="0" y="0"/>
+          <a:chExt cx="0" cy="0"/>
+        </a:xfrm>
+      </p:grpSpPr>
+      <p:pic>
+        <p:nvPicPr>
+          <p:cNvPr id="4" name="Picture 3" descr="A close up of a map&#10;&#10;Description automatically generated">
+            <a:extLst>
+              <a:ext uri="{FF2B5EF4-FFF2-40B4-BE49-F238E27FC236}">
+                <a16:creationId xmlns:a16="http://schemas.microsoft.com/office/drawing/2014/main" id="{279F7A8D-BBAC-4947-8F8D-D337BF434C57}"/>
+              </a:ext>
+            </a:extLst>
+          </p:cNvPr>
+          <p:cNvPicPr>
+            <a:picLocks noChangeAspect="1"/>
+          </p:cNvPicPr>
+          <p:nvPr/>
+        </p:nvPicPr>
+        <p:blipFill>
+          <a:blip r:embed="rId3">
+            <a:alphaModFix amt="20000"/>
+            <a:extLst>
+              <a:ext uri="{28A0092B-C50C-407E-A947-70E740481C1C}">
+                <a14:useLocalDpi xmlns:a14="http://schemas.microsoft.com/office/drawing/2010/main" val="0"/>
+              </a:ext>
+            </a:extLst>
+          </a:blip>
+          <a:stretch>
+            <a:fillRect/>
+          </a:stretch>
+        </p:blipFill>
+        <p:spPr>
+          <a:xfrm>
+            <a:off x="0" y="0"/>
+            <a:ext cx="12192000" cy="6858000"/>
+          </a:xfrm>
+          <a:prstGeom prst="rect">
+            <a:avLst/>
+          </a:prstGeom>
+        </p:spPr>
+      </p:pic>
+      <p:sp>
+        <p:nvSpPr>
+          <p:cNvPr id="2" name="Title 1">
+            <a:extLst>
+              <a:ext uri="{FF2B5EF4-FFF2-40B4-BE49-F238E27FC236}">
+                <a16:creationId xmlns:a16="http://schemas.microsoft.com/office/drawing/2014/main" id="{1D04D96A-CEA8-4589-8AF8-5A0F0815C662}"/>
+              </a:ext>
+            </a:extLst>
+          </p:cNvPr>
+          <p:cNvSpPr>
+            <a:spLocks noGrp="1"/>
+          </p:cNvSpPr>
+          <p:nvPr>
+            <p:ph type="title"/>
+          </p:nvPr>
+        </p:nvSpPr>
+        <p:spPr/>
+        <p:txBody>
+          <a:bodyPr/>
+          <a:lstStyle/>
+          <a:p>
+            <a:r>
+              <a:rPr lang="en-US" dirty="0"/>
+              <a:t>User Interface</a:t>
+            </a:r>
+          </a:p>
+        </p:txBody>
+      </p:sp>
+      <p:sp>
+        <p:nvSpPr>
+          <p:cNvPr id="3" name="Content Placeholder 2">
+            <a:extLst>
+              <a:ext uri="{FF2B5EF4-FFF2-40B4-BE49-F238E27FC236}">
+                <a16:creationId xmlns:a16="http://schemas.microsoft.com/office/drawing/2014/main" id="{5B380648-E9F6-49D2-A3E1-91F8EBE2D348}"/>
+              </a:ext>
+            </a:extLst>
+          </p:cNvPr>
+          <p:cNvSpPr>
+            <a:spLocks noGrp="1"/>
+          </p:cNvSpPr>
+          <p:nvPr>
+            <p:ph idx="1"/>
+          </p:nvPr>
+        </p:nvSpPr>
+        <p:spPr/>
+        <p:txBody>
+          <a:bodyPr/>
+          <a:lstStyle/>
+          <a:p>
+            <a:r>
+              <a:rPr lang="en-US" dirty="0"/>
+              <a:t>Uses Basic User Interface made with </a:t>
+            </a:r>
+            <a:r>
+              <a:rPr lang="en-US" dirty="0" err="1"/>
+              <a:t>Jframe</a:t>
+            </a:r>
+            <a:endParaRPr lang="en-US" dirty="0"/>
+          </a:p>
+          <a:p>
+            <a:r>
+              <a:rPr lang="en-US" dirty="0"/>
+              <a:t>Features</a:t>
+            </a:r>
+          </a:p>
+          <a:p>
+            <a:pPr lvl="1"/>
+            <a:r>
+              <a:rPr lang="en-US" dirty="0"/>
+              <a:t>Input</a:t>
+            </a:r>
+          </a:p>
+          <a:p>
+            <a:pPr lvl="2"/>
+            <a:r>
+              <a:rPr lang="en-US" dirty="0" err="1"/>
+              <a:t>JButton</a:t>
+            </a:r>
+            <a:endParaRPr lang="en-US" dirty="0"/>
+          </a:p>
+          <a:p>
+            <a:pPr lvl="2"/>
+            <a:r>
+              <a:rPr lang="en-US" dirty="0" err="1"/>
+              <a:t>JTextField</a:t>
+            </a:r>
+            <a:endParaRPr lang="en-US" dirty="0"/>
+          </a:p>
+          <a:p>
+            <a:pPr lvl="1"/>
+            <a:r>
+              <a:rPr lang="en-US" dirty="0"/>
+              <a:t>Output</a:t>
+            </a:r>
+          </a:p>
+          <a:p>
+            <a:pPr lvl="2"/>
+            <a:r>
+              <a:rPr lang="en-US" dirty="0" err="1"/>
+              <a:t>JText</a:t>
+            </a:r>
+            <a:endParaRPr lang="en-US" dirty="0"/>
+          </a:p>
+          <a:p>
+            <a:pPr lvl="2"/>
+            <a:r>
+              <a:rPr lang="en-US" dirty="0" err="1"/>
+              <a:t>ImageIcon</a:t>
+            </a:r>
+            <a:endParaRPr lang="en-US" dirty="0"/>
+          </a:p>
+          <a:p>
+            <a:pPr lvl="2"/>
+            <a:r>
+              <a:rPr lang="en-US" dirty="0" err="1"/>
+              <a:t>JLabel</a:t>
+            </a:r>
+            <a:endParaRPr lang="en-US" dirty="0"/>
+          </a:p>
+        </p:txBody>
+      </p:sp>
+    </p:spTree>
+    <p:extLst>
+      <p:ext uri="{BB962C8B-B14F-4D97-AF65-F5344CB8AC3E}">
+        <p14:creationId xmlns:p14="http://schemas.microsoft.com/office/powerpoint/2010/main" val="1492271734"/>
       </p:ext>
     </p:extLst>
   </p:cSld>
